--- a/Final_Report_Out_Presentation.pptx
+++ b/Final_Report_Out_Presentation.pptx
@@ -214,7 +214,7 @@
           <a:p>
             <a:fld id="{851F2A92-0B7F-469E-A649-BD7DCCD10805}" type="datetimeFigureOut">
               <a:rPr lang="en-US" smtClean="0"/>
-              <a:t>4/18/2021</a:t>
+              <a:t>4/19/2021</a:t>
             </a:fld>
             <a:endParaRPr lang="en-US"/>
           </a:p>
@@ -2202,7 +2202,7 @@
           <a:p>
             <a:fld id="{38959F00-7E0A-4A4A-8312-045FE494BC8C}" type="datetime1">
               <a:rPr lang="en-US" smtClean="0"/>
-              <a:t>4/18/2021</a:t>
+              <a:t>4/19/2021</a:t>
             </a:fld>
             <a:endParaRPr lang="en-US"/>
           </a:p>
@@ -2400,7 +2400,7 @@
           <a:p>
             <a:fld id="{079A25F5-2722-4780-9473-5AF3C9EA3B56}" type="datetime1">
               <a:rPr lang="en-US" smtClean="0"/>
-              <a:t>4/18/2021</a:t>
+              <a:t>4/19/2021</a:t>
             </a:fld>
             <a:endParaRPr lang="en-US"/>
           </a:p>
@@ -2608,7 +2608,7 @@
           <a:p>
             <a:fld id="{73146571-7A51-4403-A68C-F8B96F6EB7D1}" type="datetime1">
               <a:rPr lang="en-US" smtClean="0"/>
-              <a:t>4/18/2021</a:t>
+              <a:t>4/19/2021</a:t>
             </a:fld>
             <a:endParaRPr lang="en-US"/>
           </a:p>
@@ -2806,7 +2806,7 @@
           <a:p>
             <a:fld id="{3D88576F-ACC7-4960-9DA9-1E611475872F}" type="datetime1">
               <a:rPr lang="en-US" smtClean="0"/>
-              <a:t>4/18/2021</a:t>
+              <a:t>4/19/2021</a:t>
             </a:fld>
             <a:endParaRPr lang="en-US"/>
           </a:p>
@@ -3081,7 +3081,7 @@
           <a:p>
             <a:fld id="{BE0CB296-E968-4674-B301-C5E8F820A970}" type="datetime1">
               <a:rPr lang="en-US" smtClean="0"/>
-              <a:t>4/18/2021</a:t>
+              <a:t>4/19/2021</a:t>
             </a:fld>
             <a:endParaRPr lang="en-US"/>
           </a:p>
@@ -3346,7 +3346,7 @@
           <a:p>
             <a:fld id="{AABFE4E6-AFA7-46E0-AC6F-B04E32B84024}" type="datetime1">
               <a:rPr lang="en-US" smtClean="0"/>
-              <a:t>4/18/2021</a:t>
+              <a:t>4/19/2021</a:t>
             </a:fld>
             <a:endParaRPr lang="en-US"/>
           </a:p>
@@ -3758,7 +3758,7 @@
           <a:p>
             <a:fld id="{B36D97B6-5BFC-40BA-A94E-16560785372F}" type="datetime1">
               <a:rPr lang="en-US" smtClean="0"/>
-              <a:t>4/18/2021</a:t>
+              <a:t>4/19/2021</a:t>
             </a:fld>
             <a:endParaRPr lang="en-US"/>
           </a:p>
@@ -3899,7 +3899,7 @@
           <a:p>
             <a:fld id="{28AC7992-FE07-4519-8D9F-6DAD0D4F392E}" type="datetime1">
               <a:rPr lang="en-US" smtClean="0"/>
-              <a:t>4/18/2021</a:t>
+              <a:t>4/19/2021</a:t>
             </a:fld>
             <a:endParaRPr lang="en-US"/>
           </a:p>
@@ -4020,7 +4020,7 @@
           <a:p>
             <a:fld id="{9A47DBD9-D7F7-4562-A41B-34CF6B087B1F}" type="datetime1">
               <a:rPr lang="en-US" smtClean="0"/>
-              <a:t>4/18/2021</a:t>
+              <a:t>4/19/2021</a:t>
             </a:fld>
             <a:endParaRPr lang="en-US"/>
           </a:p>
@@ -4331,7 +4331,7 @@
           <a:p>
             <a:fld id="{DE69E1EF-ACBE-4387-9A05-A13BA176DFBD}" type="datetime1">
               <a:rPr lang="en-US" smtClean="0"/>
-              <a:t>4/18/2021</a:t>
+              <a:t>4/19/2021</a:t>
             </a:fld>
             <a:endParaRPr lang="en-US"/>
           </a:p>
@@ -4619,7 +4619,7 @@
           <a:p>
             <a:fld id="{2F0B0199-DC5D-4987-9417-6BA6D7F39880}" type="datetime1">
               <a:rPr lang="en-US" smtClean="0"/>
-              <a:t>4/18/2021</a:t>
+              <a:t>4/19/2021</a:t>
             </a:fld>
             <a:endParaRPr lang="en-US"/>
           </a:p>
@@ -4863,7 +4863,7 @@
           <a:p>
             <a:fld id="{8C6C2A62-0446-4B00-80FC-C9FF4B1DE4A8}" type="datetime1">
               <a:rPr lang="en-US" smtClean="0"/>
-              <a:t>4/18/2021</a:t>
+              <a:t>4/19/2021</a:t>
             </a:fld>
             <a:endParaRPr lang="en-US"/>
           </a:p>
@@ -7713,7 +7713,7 @@
                   </a:outerShdw>
                 </a:effectLst>
               </a:rPr>
-              <a:t>35.% </a:t>
+              <a:t>35.2% </a:t>
             </a:r>
             <a:r>
               <a:rPr lang="en-US" sz="2400" b="1" dirty="0">
@@ -7730,15 +7730,8 @@
                   </a:outerShdw>
                 </a:effectLst>
               </a:rPr>
-              <a:t>accurately identifies one of the 5 ratings in test</a:t>
+              <a:t>accurately identifies one of the 5 grouped ratings in test</a:t>
             </a:r>
-            <a:endParaRPr lang="en-US" sz="2400" dirty="0">
-              <a:solidFill>
-                <a:schemeClr val="bg1">
-                  <a:alpha val="80000"/>
-                </a:schemeClr>
-              </a:solidFill>
-            </a:endParaRPr>
           </a:p>
         </p:txBody>
       </p:sp>
@@ -16358,22 +16351,13 @@
               </a:spcBef>
             </a:pPr>
             <a:r>
-              <a:rPr lang="en-US" sz="2400" b="1" u="sng" dirty="0" err="1">
-                <a:solidFill>
-                  <a:srgbClr val="AC322E"/>
-                </a:solidFill>
-                <a:latin typeface="Lato"/>
-              </a:rPr>
-              <a:t>SQLALchemy</a:t>
-            </a:r>
-            <a:r>
               <a:rPr lang="en-US" sz="2400" b="1" u="sng" dirty="0">
                 <a:solidFill>
                   <a:srgbClr val="AC322E"/>
                 </a:solidFill>
                 <a:latin typeface="Lato"/>
               </a:rPr>
-              <a:t>:</a:t>
+              <a:t>SQLalchemy:</a:t>
             </a:r>
             <a:r>
               <a:rPr lang="en-US" sz="2400" dirty="0">
@@ -18293,8 +18277,8 @@
         </p:nvSpPr>
         <p:spPr>
           <a:xfrm>
-            <a:off x="6548048" y="3641283"/>
-            <a:ext cx="5119226" cy="923330"/>
+            <a:off x="6533077" y="3779412"/>
+            <a:ext cx="5119226" cy="1200329"/>
           </a:xfrm>
           <a:prstGeom prst="rect">
             <a:avLst/>
@@ -18314,8 +18298,68 @@
                 <a:effectLst/>
                 <a:latin typeface="Slack-Lato"/>
               </a:rPr>
-              <a:t>To improve predictive results… model</a:t>
+              <a:t>To improve predictive results</a:t>
             </a:r>
+            <a:r>
+              <a:rPr lang="en-US" b="1" dirty="0">
+                <a:solidFill>
+                  <a:srgbClr val="AC322E"/>
+                </a:solidFill>
+                <a:latin typeface="Slack-Lato"/>
+              </a:rPr>
+              <a:t>…</a:t>
+            </a:r>
+            <a:endParaRPr lang="en-US" b="1" i="0" dirty="0">
+              <a:solidFill>
+                <a:srgbClr val="AC322E"/>
+              </a:solidFill>
+              <a:effectLst/>
+              <a:latin typeface="Slack-Lato"/>
+            </a:endParaRPr>
+          </a:p>
+          <a:p>
+            <a:r>
+              <a:rPr lang="pt-BR" b="1" dirty="0" err="1">
+                <a:solidFill>
+                  <a:schemeClr val="bg1"/>
+                </a:solidFill>
+                <a:latin typeface="Slack-Lato"/>
+              </a:rPr>
+              <a:t>Grouped</a:t>
+            </a:r>
+            <a:r>
+              <a:rPr lang="pt-BR" b="1" dirty="0">
+                <a:solidFill>
+                  <a:schemeClr val="bg1"/>
+                </a:solidFill>
+                <a:latin typeface="Slack-Lato"/>
+              </a:rPr>
+              <a:t> </a:t>
+            </a:r>
+            <a:r>
+              <a:rPr lang="pt-BR" b="1" dirty="0" err="1">
+                <a:solidFill>
+                  <a:schemeClr val="bg1"/>
+                </a:solidFill>
+                <a:latin typeface="Slack-Lato"/>
+              </a:rPr>
+              <a:t>to</a:t>
+            </a:r>
+            <a:r>
+              <a:rPr lang="pt-BR" b="1" dirty="0">
+                <a:solidFill>
+                  <a:schemeClr val="bg1"/>
+                </a:solidFill>
+                <a:latin typeface="Slack-Lato"/>
+              </a:rPr>
+              <a:t> 5 ratings = G, PG, PG-13, R, NC-17</a:t>
+            </a:r>
+            <a:endParaRPr lang="en-US" b="1" dirty="0">
+              <a:solidFill>
+                <a:schemeClr val="bg1"/>
+              </a:solidFill>
+              <a:latin typeface="Slack-Lato"/>
+            </a:endParaRPr>
           </a:p>
           <a:p>
             <a:pPr marL="285750" indent="-285750">
@@ -18339,7 +18383,7 @@
                 </a:solidFill>
                 <a:latin typeface="Slack-Lato"/>
               </a:rPr>
-              <a:t>’</a:t>
+              <a:t>’ </a:t>
             </a:r>
             <a:r>
               <a:rPr lang="en-US" b="0" i="0" dirty="0">
@@ -18349,7 +18393,7 @@
                 <a:effectLst/>
                 <a:latin typeface="Slack-Lato"/>
               </a:rPr>
-              <a:t>,’TV-G</a:t>
+              <a:t>, ’TV-G</a:t>
             </a:r>
             <a:r>
               <a:rPr lang="en-US" dirty="0">
@@ -18358,7 +18402,7 @@
                 </a:solidFill>
                 <a:latin typeface="Slack-Lato"/>
               </a:rPr>
-              <a:t>’</a:t>
+              <a:t>’ </a:t>
             </a:r>
             <a:r>
               <a:rPr lang="en-US" b="0" i="0" dirty="0">
@@ -18368,7 +18412,7 @@
                 <a:effectLst/>
                 <a:latin typeface="Slack-Lato"/>
               </a:rPr>
-              <a:t>,’TV-Y</a:t>
+              <a:t>, ’TV-Y</a:t>
             </a:r>
             <a:r>
               <a:rPr lang="en-US" dirty="0">
@@ -18377,7 +18421,7 @@
                 </a:solidFill>
                 <a:latin typeface="Slack-Lato"/>
               </a:rPr>
-              <a:t>’</a:t>
+              <a:t>’ </a:t>
             </a:r>
             <a:r>
               <a:rPr lang="en-US" b="0" i="0" dirty="0">
@@ -18387,7 +18431,7 @@
                 <a:effectLst/>
                 <a:latin typeface="Slack-Lato"/>
               </a:rPr>
-              <a:t>,’TV-Y7-FV</a:t>
+              <a:t>, ’TV-Y7-FV</a:t>
             </a:r>
             <a:r>
               <a:rPr lang="en-US" dirty="0">
@@ -18427,7 +18471,7 @@
                   <a:schemeClr val="bg1"/>
                 </a:solidFill>
               </a:rPr>
-              <a:t>'TV-MA': 'R'</a:t>
+              <a:t>'TV-MA’ &amp; 'R'</a:t>
             </a:r>
           </a:p>
         </p:txBody>

--- a/Final_Report_Out_Presentation.pptx
+++ b/Final_Report_Out_Presentation.pptx
@@ -11,11 +11,11 @@
     <p:sldId id="258" r:id="rId2"/>
     <p:sldId id="267" r:id="rId3"/>
     <p:sldId id="256" r:id="rId4"/>
-    <p:sldId id="262" r:id="rId5"/>
-    <p:sldId id="263" r:id="rId6"/>
-    <p:sldId id="270" r:id="rId7"/>
+    <p:sldId id="263" r:id="rId5"/>
+    <p:sldId id="262" r:id="rId6"/>
+    <p:sldId id="269" r:id="rId7"/>
     <p:sldId id="271" r:id="rId8"/>
-    <p:sldId id="269" r:id="rId9"/>
+    <p:sldId id="270" r:id="rId9"/>
     <p:sldId id="266" r:id="rId10"/>
     <p:sldId id="274" r:id="rId11"/>
     <p:sldId id="275" r:id="rId12"/>
@@ -23,8 +23,8 @@
     <p:sldId id="272" r:id="rId14"/>
     <p:sldId id="260" r:id="rId15"/>
     <p:sldId id="265" r:id="rId16"/>
-    <p:sldId id="259" r:id="rId17"/>
-    <p:sldId id="264" r:id="rId18"/>
+    <p:sldId id="264" r:id="rId17"/>
+    <p:sldId id="259" r:id="rId18"/>
     <p:sldId id="276" r:id="rId19"/>
   </p:sldIdLst>
   <p:sldSz cx="12192000" cy="6858000"/>
@@ -1136,7 +1136,7 @@
           <a:p>
             <a:r>
               <a:rPr lang="en-US" dirty="0"/>
-              <a:t>Haifa</a:t>
+              <a:t>Melanie</a:t>
             </a:r>
           </a:p>
         </p:txBody>
@@ -1167,7 +1167,7 @@
     </p:spTree>
     <p:extLst>
       <p:ext uri="{BB962C8B-B14F-4D97-AF65-F5344CB8AC3E}">
-        <p14:creationId xmlns:p14="http://schemas.microsoft.com/office/powerpoint/2010/main" val="3442433972"/>
+        <p14:creationId xmlns:p14="http://schemas.microsoft.com/office/powerpoint/2010/main" val="1237375521"/>
       </p:ext>
     </p:extLst>
   </p:cSld>
@@ -1223,7 +1223,7 @@
           <a:p>
             <a:r>
               <a:rPr lang="en-US" dirty="0"/>
-              <a:t>Melanie</a:t>
+              <a:t>Haifa</a:t>
             </a:r>
           </a:p>
         </p:txBody>
@@ -1254,7 +1254,7 @@
     </p:spTree>
     <p:extLst>
       <p:ext uri="{BB962C8B-B14F-4D97-AF65-F5344CB8AC3E}">
-        <p14:creationId xmlns:p14="http://schemas.microsoft.com/office/powerpoint/2010/main" val="1237375521"/>
+        <p14:creationId xmlns:p14="http://schemas.microsoft.com/office/powerpoint/2010/main" val="3442433972"/>
       </p:ext>
     </p:extLst>
   </p:cSld>
@@ -1571,7 +1571,7 @@
           <a:p>
             <a:r>
               <a:rPr lang="en-US" dirty="0"/>
-              <a:t>Haifa</a:t>
+              <a:t>Melanie</a:t>
             </a:r>
           </a:p>
         </p:txBody>
@@ -1602,7 +1602,7 @@
     </p:spTree>
     <p:extLst>
       <p:ext uri="{BB962C8B-B14F-4D97-AF65-F5344CB8AC3E}">
-        <p14:creationId xmlns:p14="http://schemas.microsoft.com/office/powerpoint/2010/main" val="1417034378"/>
+        <p14:creationId xmlns:p14="http://schemas.microsoft.com/office/powerpoint/2010/main" val="3663362666"/>
       </p:ext>
     </p:extLst>
   </p:cSld>
@@ -1689,7 +1689,7 @@
     </p:spTree>
     <p:extLst>
       <p:ext uri="{BB962C8B-B14F-4D97-AF65-F5344CB8AC3E}">
-        <p14:creationId xmlns:p14="http://schemas.microsoft.com/office/powerpoint/2010/main" val="3663362666"/>
+        <p14:creationId xmlns:p14="http://schemas.microsoft.com/office/powerpoint/2010/main" val="1417034378"/>
       </p:ext>
     </p:extLst>
   </p:cSld>
@@ -1745,7 +1745,7 @@
           <a:p>
             <a:r>
               <a:rPr lang="en-US" dirty="0"/>
-              <a:t>April</a:t>
+              <a:t>Haifa</a:t>
             </a:r>
           </a:p>
         </p:txBody>
@@ -1776,7 +1776,7 @@
     </p:spTree>
     <p:extLst>
       <p:ext uri="{BB962C8B-B14F-4D97-AF65-F5344CB8AC3E}">
-        <p14:creationId xmlns:p14="http://schemas.microsoft.com/office/powerpoint/2010/main" val="4027294935"/>
+        <p14:creationId xmlns:p14="http://schemas.microsoft.com/office/powerpoint/2010/main" val="1162883350"/>
       </p:ext>
     </p:extLst>
   </p:cSld>
@@ -1919,7 +1919,7 @@
           <a:p>
             <a:r>
               <a:rPr lang="en-US" dirty="0"/>
-              <a:t>Haifa</a:t>
+              <a:t>April</a:t>
             </a:r>
           </a:p>
         </p:txBody>
@@ -1950,7 +1950,7 @@
     </p:spTree>
     <p:extLst>
       <p:ext uri="{BB962C8B-B14F-4D97-AF65-F5344CB8AC3E}">
-        <p14:creationId xmlns:p14="http://schemas.microsoft.com/office/powerpoint/2010/main" val="1162883350"/>
+        <p14:creationId xmlns:p14="http://schemas.microsoft.com/office/powerpoint/2010/main" val="4027294935"/>
       </p:ext>
     </p:extLst>
   </p:cSld>
@@ -14942,402 +14942,6 @@
       </p:grpSpPr>
       <p:sp>
         <p:nvSpPr>
-          <p:cNvPr id="3" name="Rectangle 2">
-            <a:extLst>
-              <a:ext uri="{FF2B5EF4-FFF2-40B4-BE49-F238E27FC236}">
-                <a16:creationId xmlns:a16="http://schemas.microsoft.com/office/drawing/2014/main" id="{3DD32B27-7547-4D80-8530-5F66EE76683F}"/>
-              </a:ext>
-            </a:extLst>
-          </p:cNvPr>
-          <p:cNvSpPr/>
-          <p:nvPr/>
-        </p:nvSpPr>
-        <p:spPr>
-          <a:xfrm>
-            <a:off x="85022" y="6277661"/>
-            <a:ext cx="5615833" cy="369332"/>
-          </a:xfrm>
-          <a:prstGeom prst="rect">
-            <a:avLst/>
-          </a:prstGeom>
-        </p:spPr>
-        <p:txBody>
-          <a:bodyPr wrap="none">
-            <a:spAutoFit/>
-          </a:bodyPr>
-          <a:lstStyle/>
-          <a:p>
-            <a:r>
-              <a:rPr lang="en-US" b="1" dirty="0">
-                <a:solidFill>
-                  <a:schemeClr val="bg1"/>
-                </a:solidFill>
-              </a:rPr>
-              <a:t>Source Data: Project Database of Netflix movies &amp; shows</a:t>
-            </a:r>
-            <a:endParaRPr lang="en-US" dirty="0">
-              <a:solidFill>
-                <a:schemeClr val="bg1"/>
-              </a:solidFill>
-            </a:endParaRPr>
-          </a:p>
-        </p:txBody>
-      </p:sp>
-      <p:pic>
-        <p:nvPicPr>
-          <p:cNvPr id="5" name="Picture 4" descr="Chart&#10;&#10;Description automatically generated">
-            <a:extLst>
-              <a:ext uri="{FF2B5EF4-FFF2-40B4-BE49-F238E27FC236}">
-                <a16:creationId xmlns:a16="http://schemas.microsoft.com/office/drawing/2014/main" id="{C5731EBB-BD8D-48E5-92E0-FE86488DD645}"/>
-              </a:ext>
-            </a:extLst>
-          </p:cNvPr>
-          <p:cNvPicPr>
-            <a:picLocks noChangeAspect="1"/>
-          </p:cNvPicPr>
-          <p:nvPr/>
-        </p:nvPicPr>
-        <p:blipFill>
-          <a:blip r:embed="rId3">
-            <a:extLst>
-              <a:ext uri="{28A0092B-C50C-407E-A947-70E740481C1C}">
-                <a14:useLocalDpi xmlns:a14="http://schemas.microsoft.com/office/drawing/2010/main" val="0"/>
-              </a:ext>
-            </a:extLst>
-          </a:blip>
-          <a:stretch>
-            <a:fillRect/>
-          </a:stretch>
-        </p:blipFill>
-        <p:spPr>
-          <a:xfrm>
-            <a:off x="170705" y="2656914"/>
-            <a:ext cx="6814256" cy="3669215"/>
-          </a:xfrm>
-          <a:prstGeom prst="rect">
-            <a:avLst/>
-          </a:prstGeom>
-        </p:spPr>
-      </p:pic>
-      <p:pic>
-        <p:nvPicPr>
-          <p:cNvPr id="6" name="Picture 5">
-            <a:extLst>
-              <a:ext uri="{FF2B5EF4-FFF2-40B4-BE49-F238E27FC236}">
-                <a16:creationId xmlns:a16="http://schemas.microsoft.com/office/drawing/2014/main" id="{1E6AF2DC-1410-433B-925A-ED68BB34CC04}"/>
-              </a:ext>
-            </a:extLst>
-          </p:cNvPr>
-          <p:cNvPicPr>
-            <a:picLocks noChangeAspect="1"/>
-          </p:cNvPicPr>
-          <p:nvPr/>
-        </p:nvPicPr>
-        <p:blipFill>
-          <a:blip r:embed="rId4"/>
-          <a:stretch>
-            <a:fillRect/>
-          </a:stretch>
-        </p:blipFill>
-        <p:spPr>
-          <a:xfrm>
-            <a:off x="5892797" y="3550788"/>
-            <a:ext cx="6088283" cy="2951065"/>
-          </a:xfrm>
-          <a:prstGeom prst="rect">
-            <a:avLst/>
-          </a:prstGeom>
-        </p:spPr>
-      </p:pic>
-      <p:sp>
-        <p:nvSpPr>
-          <p:cNvPr id="7" name="Rectangle 6">
-            <a:extLst>
-              <a:ext uri="{FF2B5EF4-FFF2-40B4-BE49-F238E27FC236}">
-                <a16:creationId xmlns:a16="http://schemas.microsoft.com/office/drawing/2014/main" id="{3A74C438-53E4-40FE-9B2C-124860634BCC}"/>
-              </a:ext>
-            </a:extLst>
-          </p:cNvPr>
-          <p:cNvSpPr/>
-          <p:nvPr/>
-        </p:nvSpPr>
-        <p:spPr>
-          <a:xfrm>
-            <a:off x="7597768" y="2918971"/>
-            <a:ext cx="4426856" cy="646331"/>
-          </a:xfrm>
-          <a:prstGeom prst="rect">
-            <a:avLst/>
-          </a:prstGeom>
-        </p:spPr>
-        <p:txBody>
-          <a:bodyPr wrap="square">
-            <a:spAutoFit/>
-          </a:bodyPr>
-          <a:lstStyle/>
-          <a:p>
-            <a:pPr algn="r"/>
-            <a:r>
-              <a:rPr lang="en-US" b="1" dirty="0">
-                <a:solidFill>
-                  <a:schemeClr val="bg1"/>
-                </a:solidFill>
-              </a:rPr>
-              <a:t>Netflix users by region, US vs international, 2011 – 2018, millions</a:t>
-            </a:r>
-          </a:p>
-        </p:txBody>
-      </p:sp>
-      <p:sp>
-        <p:nvSpPr>
-          <p:cNvPr id="8" name="Rectangle 7">
-            <a:extLst>
-              <a:ext uri="{FF2B5EF4-FFF2-40B4-BE49-F238E27FC236}">
-                <a16:creationId xmlns:a16="http://schemas.microsoft.com/office/drawing/2014/main" id="{22CB0EAE-08A0-4834-A53F-3A2DA20D8BAC}"/>
-              </a:ext>
-            </a:extLst>
-          </p:cNvPr>
-          <p:cNvSpPr/>
-          <p:nvPr/>
-        </p:nvSpPr>
-        <p:spPr>
-          <a:xfrm>
-            <a:off x="5867628" y="6473824"/>
-            <a:ext cx="6102797" cy="307777"/>
-          </a:xfrm>
-          <a:prstGeom prst="rect">
-            <a:avLst/>
-          </a:prstGeom>
-        </p:spPr>
-        <p:txBody>
-          <a:bodyPr wrap="square">
-            <a:spAutoFit/>
-          </a:bodyPr>
-          <a:lstStyle/>
-          <a:p>
-            <a:r>
-              <a:rPr lang="en-US" sz="1400" i="1" dirty="0">
-                <a:solidFill>
-                  <a:schemeClr val="bg1"/>
-                </a:solidFill>
-                <a:latin typeface="Calibri" panose="020F0502020204030204" pitchFamily="34" charset="0"/>
-                <a:ea typeface="Calibri" panose="020F0502020204030204" pitchFamily="34" charset="0"/>
-                <a:cs typeface="Times New Roman" panose="02020603050405020304" pitchFamily="18" charset="0"/>
-              </a:rPr>
-              <a:t>Source: https://www.businessofapps.com/data/netflix-statistics/</a:t>
-            </a:r>
-            <a:endParaRPr lang="en-US" sz="1400" i="1" dirty="0">
-              <a:solidFill>
-                <a:schemeClr val="bg1"/>
-              </a:solidFill>
-            </a:endParaRPr>
-          </a:p>
-        </p:txBody>
-      </p:sp>
-      <p:sp>
-        <p:nvSpPr>
-          <p:cNvPr id="10" name="Rectangle 9">
-            <a:extLst>
-              <a:ext uri="{FF2B5EF4-FFF2-40B4-BE49-F238E27FC236}">
-                <a16:creationId xmlns:a16="http://schemas.microsoft.com/office/drawing/2014/main" id="{D39F67E8-21D3-43F5-A7EC-0ACC32C0760F}"/>
-              </a:ext>
-            </a:extLst>
-          </p:cNvPr>
-          <p:cNvSpPr/>
-          <p:nvPr/>
-        </p:nvSpPr>
-        <p:spPr>
-          <a:xfrm>
-            <a:off x="170705" y="1431050"/>
-            <a:ext cx="11687466" cy="1238801"/>
-          </a:xfrm>
-          <a:prstGeom prst="rect">
-            <a:avLst/>
-          </a:prstGeom>
-        </p:spPr>
-        <p:txBody>
-          <a:bodyPr wrap="square">
-            <a:spAutoFit/>
-          </a:bodyPr>
-          <a:lstStyle/>
-          <a:p>
-            <a:r>
-              <a:rPr lang="en-US" sz="2400" b="1" i="0" u="sng" dirty="0">
-                <a:solidFill>
-                  <a:srgbClr val="AC322E"/>
-                </a:solidFill>
-                <a:effectLst/>
-                <a:latin typeface="Lato"/>
-              </a:rPr>
-              <a:t>Current model Constraint:</a:t>
-            </a:r>
-            <a:r>
-              <a:rPr lang="en-US" sz="2400" b="1" i="0" dirty="0">
-                <a:solidFill>
-                  <a:srgbClr val="AC322E"/>
-                </a:solidFill>
-                <a:effectLst/>
-                <a:latin typeface="Lato"/>
-              </a:rPr>
-              <a:t> </a:t>
-            </a:r>
-            <a:r>
-              <a:rPr lang="en-US" sz="2400" dirty="0">
-                <a:solidFill>
-                  <a:schemeClr val="bg1"/>
-                </a:solidFill>
-                <a:latin typeface="Lato"/>
-              </a:rPr>
-              <a:t>Descriptions &amp; predictions are currently in </a:t>
-            </a:r>
-            <a:r>
-              <a:rPr lang="en-US" sz="2400" b="1" dirty="0">
-                <a:solidFill>
-                  <a:schemeClr val="bg1"/>
-                </a:solidFill>
-                <a:latin typeface="Lato"/>
-              </a:rPr>
-              <a:t>English only</a:t>
-            </a:r>
-          </a:p>
-          <a:p>
-            <a:endParaRPr lang="en-US" sz="1050" dirty="0">
-              <a:solidFill>
-                <a:schemeClr val="bg1"/>
-              </a:solidFill>
-              <a:latin typeface="Lato"/>
-            </a:endParaRPr>
-          </a:p>
-          <a:p>
-            <a:r>
-              <a:rPr lang="en-US" sz="2000" b="1" i="0" u="sng" dirty="0">
-                <a:solidFill>
-                  <a:srgbClr val="AC322E"/>
-                </a:solidFill>
-                <a:effectLst/>
-                <a:latin typeface="Lato"/>
-              </a:rPr>
-              <a:t>Future Modeling Consideration:</a:t>
-            </a:r>
-            <a:r>
-              <a:rPr lang="en-US" sz="2000" b="0" i="0" dirty="0">
-                <a:solidFill>
-                  <a:schemeClr val="bg1"/>
-                </a:solidFill>
-                <a:effectLst/>
-                <a:latin typeface="Lato"/>
-              </a:rPr>
-              <a:t> How will International growth in Netflix subscriptions impact language as international users have far outpaced domestic growth in recent years?</a:t>
-            </a:r>
-          </a:p>
-        </p:txBody>
-      </p:sp>
-      <p:sp>
-        <p:nvSpPr>
-          <p:cNvPr id="12" name="Title 11">
-            <a:extLst>
-              <a:ext uri="{FF2B5EF4-FFF2-40B4-BE49-F238E27FC236}">
-                <a16:creationId xmlns:a16="http://schemas.microsoft.com/office/drawing/2014/main" id="{310E994F-CE2C-4462-8341-77009A0F9794}"/>
-              </a:ext>
-            </a:extLst>
-          </p:cNvPr>
-          <p:cNvSpPr>
-            <a:spLocks noGrp="1"/>
-          </p:cNvSpPr>
-          <p:nvPr>
-            <p:ph type="title"/>
-          </p:nvPr>
-        </p:nvSpPr>
-        <p:spPr>
-          <a:xfrm>
-            <a:off x="170705" y="365125"/>
-            <a:ext cx="11527809" cy="1138495"/>
-          </a:xfrm>
-        </p:spPr>
-        <p:txBody>
-          <a:bodyPr>
-            <a:noAutofit/>
-          </a:bodyPr>
-          <a:lstStyle/>
-          <a:p>
-            <a:r>
-              <a:rPr lang="en-US" sz="3600" b="1" dirty="0">
-                <a:solidFill>
-                  <a:schemeClr val="bg1"/>
-                </a:solidFill>
-                <a:latin typeface="+mn-lt"/>
-              </a:rPr>
-              <a:t>Netflix TV shows &amp; Movies - US vs International</a:t>
-            </a:r>
-          </a:p>
-        </p:txBody>
-      </p:sp>
-      <p:sp>
-        <p:nvSpPr>
-          <p:cNvPr id="11" name="Slide Number Placeholder 10">
-            <a:extLst>
-              <a:ext uri="{FF2B5EF4-FFF2-40B4-BE49-F238E27FC236}">
-                <a16:creationId xmlns:a16="http://schemas.microsoft.com/office/drawing/2014/main" id="{5F298586-329F-49A2-BF78-33557605DFDF}"/>
-              </a:ext>
-            </a:extLst>
-          </p:cNvPr>
-          <p:cNvSpPr>
-            <a:spLocks noGrp="1"/>
-          </p:cNvSpPr>
-          <p:nvPr>
-            <p:ph type="sldNum" sz="quarter" idx="12"/>
-          </p:nvPr>
-        </p:nvSpPr>
-        <p:spPr>
-          <a:xfrm>
-            <a:off x="8610600" y="6486977"/>
-            <a:ext cx="2743200" cy="365125"/>
-          </a:xfrm>
-        </p:spPr>
-        <p:txBody>
-          <a:bodyPr/>
-          <a:lstStyle/>
-          <a:p>
-            <a:fld id="{C5C29BA6-2063-4E21-8EB4-93FCDE63A549}" type="slidenum">
-              <a:rPr lang="en-US" smtClean="0"/>
-              <a:t>16</a:t>
-            </a:fld>
-            <a:endParaRPr lang="en-US"/>
-          </a:p>
-        </p:txBody>
-      </p:sp>
-    </p:spTree>
-    <p:extLst>
-      <p:ext uri="{BB962C8B-B14F-4D97-AF65-F5344CB8AC3E}">
-        <p14:creationId xmlns:p14="http://schemas.microsoft.com/office/powerpoint/2010/main" val="1149112662"/>
-      </p:ext>
-    </p:extLst>
-  </p:cSld>
-  <p:clrMapOvr>
-    <a:masterClrMapping/>
-  </p:clrMapOvr>
-</p:sld>
-</file>
-
-<file path=ppt/slides/slide17.xml><?xml version="1.0" encoding="utf-8"?>
-<p:sld xmlns:a="http://schemas.openxmlformats.org/drawingml/2006/main" xmlns:r="http://schemas.openxmlformats.org/officeDocument/2006/relationships" xmlns:p="http://schemas.openxmlformats.org/presentationml/2006/main">
-  <p:cSld>
-    <p:spTree>
-      <p:nvGrpSpPr>
-        <p:cNvPr id="1" name=""/>
-        <p:cNvGrpSpPr/>
-        <p:nvPr/>
-      </p:nvGrpSpPr>
-      <p:grpSpPr>
-        <a:xfrm>
-          <a:off x="0" y="0"/>
-          <a:ext cx="0" cy="0"/>
-          <a:chOff x="0" y="0"/>
-          <a:chExt cx="0" cy="0"/>
-        </a:xfrm>
-      </p:grpSpPr>
-      <p:sp>
-        <p:nvSpPr>
           <p:cNvPr id="8" name="Slide Number Placeholder 7">
             <a:extLst>
               <a:ext uri="{FF2B5EF4-FFF2-40B4-BE49-F238E27FC236}">
@@ -15359,7 +14963,7 @@
           <a:p>
             <a:fld id="{C5C29BA6-2063-4E21-8EB4-93FCDE63A549}" type="slidenum">
               <a:rPr lang="en-US" smtClean="0"/>
-              <a:t>17</a:t>
+              <a:t>16</a:t>
             </a:fld>
             <a:endParaRPr lang="en-US"/>
           </a:p>
@@ -15994,6 +15598,402 @@
 </p:sld>
 </file>
 
+<file path=ppt/slides/slide17.xml><?xml version="1.0" encoding="utf-8"?>
+<p:sld xmlns:a="http://schemas.openxmlformats.org/drawingml/2006/main" xmlns:r="http://schemas.openxmlformats.org/officeDocument/2006/relationships" xmlns:p="http://schemas.openxmlformats.org/presentationml/2006/main">
+  <p:cSld>
+    <p:spTree>
+      <p:nvGrpSpPr>
+        <p:cNvPr id="1" name=""/>
+        <p:cNvGrpSpPr/>
+        <p:nvPr/>
+      </p:nvGrpSpPr>
+      <p:grpSpPr>
+        <a:xfrm>
+          <a:off x="0" y="0"/>
+          <a:ext cx="0" cy="0"/>
+          <a:chOff x="0" y="0"/>
+          <a:chExt cx="0" cy="0"/>
+        </a:xfrm>
+      </p:grpSpPr>
+      <p:sp>
+        <p:nvSpPr>
+          <p:cNvPr id="3" name="Rectangle 2">
+            <a:extLst>
+              <a:ext uri="{FF2B5EF4-FFF2-40B4-BE49-F238E27FC236}">
+                <a16:creationId xmlns:a16="http://schemas.microsoft.com/office/drawing/2014/main" id="{3DD32B27-7547-4D80-8530-5F66EE76683F}"/>
+              </a:ext>
+            </a:extLst>
+          </p:cNvPr>
+          <p:cNvSpPr/>
+          <p:nvPr/>
+        </p:nvSpPr>
+        <p:spPr>
+          <a:xfrm>
+            <a:off x="85022" y="6277661"/>
+            <a:ext cx="5615833" cy="369332"/>
+          </a:xfrm>
+          <a:prstGeom prst="rect">
+            <a:avLst/>
+          </a:prstGeom>
+        </p:spPr>
+        <p:txBody>
+          <a:bodyPr wrap="none">
+            <a:spAutoFit/>
+          </a:bodyPr>
+          <a:lstStyle/>
+          <a:p>
+            <a:r>
+              <a:rPr lang="en-US" b="1" dirty="0">
+                <a:solidFill>
+                  <a:schemeClr val="bg1"/>
+                </a:solidFill>
+              </a:rPr>
+              <a:t>Source Data: Project Database of Netflix movies &amp; shows</a:t>
+            </a:r>
+            <a:endParaRPr lang="en-US" dirty="0">
+              <a:solidFill>
+                <a:schemeClr val="bg1"/>
+              </a:solidFill>
+            </a:endParaRPr>
+          </a:p>
+        </p:txBody>
+      </p:sp>
+      <p:pic>
+        <p:nvPicPr>
+          <p:cNvPr id="5" name="Picture 4" descr="Chart&#10;&#10;Description automatically generated">
+            <a:extLst>
+              <a:ext uri="{FF2B5EF4-FFF2-40B4-BE49-F238E27FC236}">
+                <a16:creationId xmlns:a16="http://schemas.microsoft.com/office/drawing/2014/main" id="{C5731EBB-BD8D-48E5-92E0-FE86488DD645}"/>
+              </a:ext>
+            </a:extLst>
+          </p:cNvPr>
+          <p:cNvPicPr>
+            <a:picLocks noChangeAspect="1"/>
+          </p:cNvPicPr>
+          <p:nvPr/>
+        </p:nvPicPr>
+        <p:blipFill>
+          <a:blip r:embed="rId3">
+            <a:extLst>
+              <a:ext uri="{28A0092B-C50C-407E-A947-70E740481C1C}">
+                <a14:useLocalDpi xmlns:a14="http://schemas.microsoft.com/office/drawing/2010/main" val="0"/>
+              </a:ext>
+            </a:extLst>
+          </a:blip>
+          <a:stretch>
+            <a:fillRect/>
+          </a:stretch>
+        </p:blipFill>
+        <p:spPr>
+          <a:xfrm>
+            <a:off x="170705" y="2656914"/>
+            <a:ext cx="6814256" cy="3669215"/>
+          </a:xfrm>
+          <a:prstGeom prst="rect">
+            <a:avLst/>
+          </a:prstGeom>
+        </p:spPr>
+      </p:pic>
+      <p:pic>
+        <p:nvPicPr>
+          <p:cNvPr id="6" name="Picture 5">
+            <a:extLst>
+              <a:ext uri="{FF2B5EF4-FFF2-40B4-BE49-F238E27FC236}">
+                <a16:creationId xmlns:a16="http://schemas.microsoft.com/office/drawing/2014/main" id="{1E6AF2DC-1410-433B-925A-ED68BB34CC04}"/>
+              </a:ext>
+            </a:extLst>
+          </p:cNvPr>
+          <p:cNvPicPr>
+            <a:picLocks noChangeAspect="1"/>
+          </p:cNvPicPr>
+          <p:nvPr/>
+        </p:nvPicPr>
+        <p:blipFill>
+          <a:blip r:embed="rId4"/>
+          <a:stretch>
+            <a:fillRect/>
+          </a:stretch>
+        </p:blipFill>
+        <p:spPr>
+          <a:xfrm>
+            <a:off x="5892797" y="3550788"/>
+            <a:ext cx="6088283" cy="2951065"/>
+          </a:xfrm>
+          <a:prstGeom prst="rect">
+            <a:avLst/>
+          </a:prstGeom>
+        </p:spPr>
+      </p:pic>
+      <p:sp>
+        <p:nvSpPr>
+          <p:cNvPr id="7" name="Rectangle 6">
+            <a:extLst>
+              <a:ext uri="{FF2B5EF4-FFF2-40B4-BE49-F238E27FC236}">
+                <a16:creationId xmlns:a16="http://schemas.microsoft.com/office/drawing/2014/main" id="{3A74C438-53E4-40FE-9B2C-124860634BCC}"/>
+              </a:ext>
+            </a:extLst>
+          </p:cNvPr>
+          <p:cNvSpPr/>
+          <p:nvPr/>
+        </p:nvSpPr>
+        <p:spPr>
+          <a:xfrm>
+            <a:off x="7597768" y="2918971"/>
+            <a:ext cx="4426856" cy="646331"/>
+          </a:xfrm>
+          <a:prstGeom prst="rect">
+            <a:avLst/>
+          </a:prstGeom>
+        </p:spPr>
+        <p:txBody>
+          <a:bodyPr wrap="square">
+            <a:spAutoFit/>
+          </a:bodyPr>
+          <a:lstStyle/>
+          <a:p>
+            <a:pPr algn="r"/>
+            <a:r>
+              <a:rPr lang="en-US" b="1" dirty="0">
+                <a:solidFill>
+                  <a:schemeClr val="bg1"/>
+                </a:solidFill>
+              </a:rPr>
+              <a:t>Netflix users by region, US vs international, 2011 – 2018, millions</a:t>
+            </a:r>
+          </a:p>
+        </p:txBody>
+      </p:sp>
+      <p:sp>
+        <p:nvSpPr>
+          <p:cNvPr id="8" name="Rectangle 7">
+            <a:extLst>
+              <a:ext uri="{FF2B5EF4-FFF2-40B4-BE49-F238E27FC236}">
+                <a16:creationId xmlns:a16="http://schemas.microsoft.com/office/drawing/2014/main" id="{22CB0EAE-08A0-4834-A53F-3A2DA20D8BAC}"/>
+              </a:ext>
+            </a:extLst>
+          </p:cNvPr>
+          <p:cNvSpPr/>
+          <p:nvPr/>
+        </p:nvSpPr>
+        <p:spPr>
+          <a:xfrm>
+            <a:off x="5867628" y="6473824"/>
+            <a:ext cx="6102797" cy="307777"/>
+          </a:xfrm>
+          <a:prstGeom prst="rect">
+            <a:avLst/>
+          </a:prstGeom>
+        </p:spPr>
+        <p:txBody>
+          <a:bodyPr wrap="square">
+            <a:spAutoFit/>
+          </a:bodyPr>
+          <a:lstStyle/>
+          <a:p>
+            <a:r>
+              <a:rPr lang="en-US" sz="1400" i="1" dirty="0">
+                <a:solidFill>
+                  <a:schemeClr val="bg1"/>
+                </a:solidFill>
+                <a:latin typeface="Calibri" panose="020F0502020204030204" pitchFamily="34" charset="0"/>
+                <a:ea typeface="Calibri" panose="020F0502020204030204" pitchFamily="34" charset="0"/>
+                <a:cs typeface="Times New Roman" panose="02020603050405020304" pitchFamily="18" charset="0"/>
+              </a:rPr>
+              <a:t>Source: https://www.businessofapps.com/data/netflix-statistics/</a:t>
+            </a:r>
+            <a:endParaRPr lang="en-US" sz="1400" i="1" dirty="0">
+              <a:solidFill>
+                <a:schemeClr val="bg1"/>
+              </a:solidFill>
+            </a:endParaRPr>
+          </a:p>
+        </p:txBody>
+      </p:sp>
+      <p:sp>
+        <p:nvSpPr>
+          <p:cNvPr id="10" name="Rectangle 9">
+            <a:extLst>
+              <a:ext uri="{FF2B5EF4-FFF2-40B4-BE49-F238E27FC236}">
+                <a16:creationId xmlns:a16="http://schemas.microsoft.com/office/drawing/2014/main" id="{D39F67E8-21D3-43F5-A7EC-0ACC32C0760F}"/>
+              </a:ext>
+            </a:extLst>
+          </p:cNvPr>
+          <p:cNvSpPr/>
+          <p:nvPr/>
+        </p:nvSpPr>
+        <p:spPr>
+          <a:xfrm>
+            <a:off x="170705" y="1431050"/>
+            <a:ext cx="11687466" cy="1238801"/>
+          </a:xfrm>
+          <a:prstGeom prst="rect">
+            <a:avLst/>
+          </a:prstGeom>
+        </p:spPr>
+        <p:txBody>
+          <a:bodyPr wrap="square">
+            <a:spAutoFit/>
+          </a:bodyPr>
+          <a:lstStyle/>
+          <a:p>
+            <a:r>
+              <a:rPr lang="en-US" sz="2400" b="1" i="0" u="sng" dirty="0">
+                <a:solidFill>
+                  <a:srgbClr val="AC322E"/>
+                </a:solidFill>
+                <a:effectLst/>
+                <a:latin typeface="Lato"/>
+              </a:rPr>
+              <a:t>Current model Constraint:</a:t>
+            </a:r>
+            <a:r>
+              <a:rPr lang="en-US" sz="2400" b="1" i="0" dirty="0">
+                <a:solidFill>
+                  <a:srgbClr val="AC322E"/>
+                </a:solidFill>
+                <a:effectLst/>
+                <a:latin typeface="Lato"/>
+              </a:rPr>
+              <a:t> </a:t>
+            </a:r>
+            <a:r>
+              <a:rPr lang="en-US" sz="2400" dirty="0">
+                <a:solidFill>
+                  <a:schemeClr val="bg1"/>
+                </a:solidFill>
+                <a:latin typeface="Lato"/>
+              </a:rPr>
+              <a:t>Descriptions &amp; predictions are currently in </a:t>
+            </a:r>
+            <a:r>
+              <a:rPr lang="en-US" sz="2400" b="1" dirty="0">
+                <a:solidFill>
+                  <a:schemeClr val="bg1"/>
+                </a:solidFill>
+                <a:latin typeface="Lato"/>
+              </a:rPr>
+              <a:t>English only</a:t>
+            </a:r>
+          </a:p>
+          <a:p>
+            <a:endParaRPr lang="en-US" sz="1050" dirty="0">
+              <a:solidFill>
+                <a:schemeClr val="bg1"/>
+              </a:solidFill>
+              <a:latin typeface="Lato"/>
+            </a:endParaRPr>
+          </a:p>
+          <a:p>
+            <a:r>
+              <a:rPr lang="en-US" sz="2000" b="1" i="0" u="sng" dirty="0">
+                <a:solidFill>
+                  <a:srgbClr val="AC322E"/>
+                </a:solidFill>
+                <a:effectLst/>
+                <a:latin typeface="Lato"/>
+              </a:rPr>
+              <a:t>Future Modeling Consideration:</a:t>
+            </a:r>
+            <a:r>
+              <a:rPr lang="en-US" sz="2000" b="0" i="0" dirty="0">
+                <a:solidFill>
+                  <a:schemeClr val="bg1"/>
+                </a:solidFill>
+                <a:effectLst/>
+                <a:latin typeface="Lato"/>
+              </a:rPr>
+              <a:t> How will International growth in Netflix subscriptions impact language as international users have far outpaced domestic growth in recent years?</a:t>
+            </a:r>
+          </a:p>
+        </p:txBody>
+      </p:sp>
+      <p:sp>
+        <p:nvSpPr>
+          <p:cNvPr id="12" name="Title 11">
+            <a:extLst>
+              <a:ext uri="{FF2B5EF4-FFF2-40B4-BE49-F238E27FC236}">
+                <a16:creationId xmlns:a16="http://schemas.microsoft.com/office/drawing/2014/main" id="{310E994F-CE2C-4462-8341-77009A0F9794}"/>
+              </a:ext>
+            </a:extLst>
+          </p:cNvPr>
+          <p:cNvSpPr>
+            <a:spLocks noGrp="1"/>
+          </p:cNvSpPr>
+          <p:nvPr>
+            <p:ph type="title"/>
+          </p:nvPr>
+        </p:nvSpPr>
+        <p:spPr>
+          <a:xfrm>
+            <a:off x="170705" y="365125"/>
+            <a:ext cx="11527809" cy="1138495"/>
+          </a:xfrm>
+        </p:spPr>
+        <p:txBody>
+          <a:bodyPr>
+            <a:noAutofit/>
+          </a:bodyPr>
+          <a:lstStyle/>
+          <a:p>
+            <a:r>
+              <a:rPr lang="en-US" sz="3600" b="1" dirty="0">
+                <a:solidFill>
+                  <a:schemeClr val="bg1"/>
+                </a:solidFill>
+                <a:latin typeface="+mn-lt"/>
+              </a:rPr>
+              <a:t>Netflix TV shows &amp; Movies - US vs International</a:t>
+            </a:r>
+          </a:p>
+        </p:txBody>
+      </p:sp>
+      <p:sp>
+        <p:nvSpPr>
+          <p:cNvPr id="11" name="Slide Number Placeholder 10">
+            <a:extLst>
+              <a:ext uri="{FF2B5EF4-FFF2-40B4-BE49-F238E27FC236}">
+                <a16:creationId xmlns:a16="http://schemas.microsoft.com/office/drawing/2014/main" id="{5F298586-329F-49A2-BF78-33557605DFDF}"/>
+              </a:ext>
+            </a:extLst>
+          </p:cNvPr>
+          <p:cNvSpPr>
+            <a:spLocks noGrp="1"/>
+          </p:cNvSpPr>
+          <p:nvPr>
+            <p:ph type="sldNum" sz="quarter" idx="12"/>
+          </p:nvPr>
+        </p:nvSpPr>
+        <p:spPr>
+          <a:xfrm>
+            <a:off x="8610600" y="6486977"/>
+            <a:ext cx="2743200" cy="365125"/>
+          </a:xfrm>
+        </p:spPr>
+        <p:txBody>
+          <a:bodyPr/>
+          <a:lstStyle/>
+          <a:p>
+            <a:fld id="{C5C29BA6-2063-4E21-8EB4-93FCDE63A549}" type="slidenum">
+              <a:rPr lang="en-US" smtClean="0"/>
+              <a:t>17</a:t>
+            </a:fld>
+            <a:endParaRPr lang="en-US"/>
+          </a:p>
+        </p:txBody>
+      </p:sp>
+    </p:spTree>
+    <p:extLst>
+      <p:ext uri="{BB962C8B-B14F-4D97-AF65-F5344CB8AC3E}">
+        <p14:creationId xmlns:p14="http://schemas.microsoft.com/office/powerpoint/2010/main" val="1149112662"/>
+      </p:ext>
+    </p:extLst>
+  </p:cSld>
+  <p:clrMapOvr>
+    <a:masterClrMapping/>
+  </p:clrMapOvr>
+</p:sld>
+</file>
+
 <file path=ppt/slides/slide18.xml><?xml version="1.0" encoding="utf-8"?>
 <p:sld xmlns:a="http://schemas.openxmlformats.org/drawingml/2006/main" xmlns:r="http://schemas.openxmlformats.org/officeDocument/2006/relationships" xmlns:p="http://schemas.openxmlformats.org/presentationml/2006/main">
   <p:cSld>
@@ -16207,7 +16207,7 @@
                 </a:solidFill>
                 <a:latin typeface="Lato"/>
               </a:rPr>
-              <a:t>create environment link to Heroku instead of visible </a:t>
+              <a:t>Create environment link to Heroku instead of visible </a:t>
             </a:r>
             <a:r>
               <a:rPr lang="en-US" sz="2400" dirty="0" err="1">
@@ -17235,335 +17235,6 @@
       </p:grpSpPr>
       <p:sp>
         <p:nvSpPr>
-          <p:cNvPr id="8" name="Slide Number Placeholder 7">
-            <a:extLst>
-              <a:ext uri="{FF2B5EF4-FFF2-40B4-BE49-F238E27FC236}">
-                <a16:creationId xmlns:a16="http://schemas.microsoft.com/office/drawing/2014/main" id="{0C2FDFE4-C2A7-4516-AF4D-454B6626667C}"/>
-              </a:ext>
-            </a:extLst>
-          </p:cNvPr>
-          <p:cNvSpPr>
-            <a:spLocks noGrp="1"/>
-          </p:cNvSpPr>
-          <p:nvPr>
-            <p:ph type="sldNum" sz="quarter" idx="12"/>
-          </p:nvPr>
-        </p:nvSpPr>
-        <p:spPr/>
-        <p:txBody>
-          <a:bodyPr/>
-          <a:lstStyle/>
-          <a:p>
-            <a:fld id="{C5C29BA6-2063-4E21-8EB4-93FCDE63A549}" type="slidenum">
-              <a:rPr lang="en-US" smtClean="0"/>
-              <a:t>4</a:t>
-            </a:fld>
-            <a:endParaRPr lang="en-US"/>
-          </a:p>
-        </p:txBody>
-      </p:sp>
-      <p:pic>
-        <p:nvPicPr>
-          <p:cNvPr id="3" name="Picture 2" descr="Chart, line chart&#10;&#10;Description automatically generated">
-            <a:extLst>
-              <a:ext uri="{FF2B5EF4-FFF2-40B4-BE49-F238E27FC236}">
-                <a16:creationId xmlns:a16="http://schemas.microsoft.com/office/drawing/2014/main" id="{6341B41A-088B-4A2C-ABA8-D09B59AC9C81}"/>
-              </a:ext>
-            </a:extLst>
-          </p:cNvPr>
-          <p:cNvPicPr>
-            <a:picLocks noChangeAspect="1"/>
-          </p:cNvPicPr>
-          <p:nvPr/>
-        </p:nvPicPr>
-        <p:blipFill>
-          <a:blip r:embed="rId3">
-            <a:extLst>
-              <a:ext uri="{28A0092B-C50C-407E-A947-70E740481C1C}">
-                <a14:useLocalDpi xmlns:a14="http://schemas.microsoft.com/office/drawing/2010/main" val="0"/>
-              </a:ext>
-            </a:extLst>
-          </a:blip>
-          <a:stretch>
-            <a:fillRect/>
-          </a:stretch>
-        </p:blipFill>
-        <p:spPr>
-          <a:xfrm>
-            <a:off x="376293" y="2079039"/>
-            <a:ext cx="7395029" cy="3981939"/>
-          </a:xfrm>
-          <a:prstGeom prst="rect">
-            <a:avLst/>
-          </a:prstGeom>
-        </p:spPr>
-      </p:pic>
-      <p:sp>
-        <p:nvSpPr>
-          <p:cNvPr id="9" name="Title 11">
-            <a:extLst>
-              <a:ext uri="{FF2B5EF4-FFF2-40B4-BE49-F238E27FC236}">
-                <a16:creationId xmlns:a16="http://schemas.microsoft.com/office/drawing/2014/main" id="{EF382580-295D-4606-B511-22955BB9B581}"/>
-              </a:ext>
-            </a:extLst>
-          </p:cNvPr>
-          <p:cNvSpPr txBox="1">
-            <a:spLocks/>
-          </p:cNvSpPr>
-          <p:nvPr/>
-        </p:nvSpPr>
-        <p:spPr>
-          <a:xfrm>
-            <a:off x="170705" y="365125"/>
-            <a:ext cx="11527809" cy="796925"/>
-          </a:xfrm>
-          <a:prstGeom prst="rect">
-            <a:avLst/>
-          </a:prstGeom>
-        </p:spPr>
-        <p:txBody>
-          <a:bodyPr>
-            <a:noAutofit/>
-          </a:bodyPr>
-          <a:lstStyle>
-            <a:lvl1pPr algn="l" defTabSz="914400" rtl="0" eaLnBrk="1" latinLnBrk="0" hangingPunct="1">
-              <a:lnSpc>
-                <a:spcPct val="90000"/>
-              </a:lnSpc>
-              <a:spcBef>
-                <a:spcPct val="0"/>
-              </a:spcBef>
-              <a:buNone/>
-              <a:defRPr sz="4400" kern="1200">
-                <a:solidFill>
-                  <a:schemeClr val="tx1"/>
-                </a:solidFill>
-                <a:latin typeface="+mj-lt"/>
-                <a:ea typeface="+mj-ea"/>
-                <a:cs typeface="+mj-cs"/>
-              </a:defRPr>
-            </a:lvl1pPr>
-          </a:lstStyle>
-          <a:p>
-            <a:r>
-              <a:rPr lang="en-US" sz="3600" b="1" dirty="0">
-                <a:solidFill>
-                  <a:schemeClr val="bg1"/>
-                </a:solidFill>
-                <a:latin typeface="+mn-lt"/>
-              </a:rPr>
-              <a:t>Netflix TV shows vs Movies</a:t>
-            </a:r>
-          </a:p>
-        </p:txBody>
-      </p:sp>
-      <p:grpSp>
-        <p:nvGrpSpPr>
-          <p:cNvPr id="10" name="Group 9">
-            <a:extLst>
-              <a:ext uri="{FF2B5EF4-FFF2-40B4-BE49-F238E27FC236}">
-                <a16:creationId xmlns:a16="http://schemas.microsoft.com/office/drawing/2014/main" id="{6DB98B9C-4123-49B7-A7E9-A315021709E0}"/>
-              </a:ext>
-            </a:extLst>
-          </p:cNvPr>
-          <p:cNvGrpSpPr/>
-          <p:nvPr/>
-        </p:nvGrpSpPr>
-        <p:grpSpPr>
-          <a:xfrm>
-            <a:off x="8357054" y="3079857"/>
-            <a:ext cx="2612572" cy="2699919"/>
-            <a:chOff x="8357055" y="2580025"/>
-            <a:chExt cx="2612572" cy="2699919"/>
-          </a:xfrm>
-        </p:grpSpPr>
-        <p:pic>
-          <p:nvPicPr>
-            <p:cNvPr id="7" name="Picture 6" descr="Chart, pie chart&#10;&#10;Description automatically generated">
-              <a:extLst>
-                <a:ext uri="{FF2B5EF4-FFF2-40B4-BE49-F238E27FC236}">
-                  <a16:creationId xmlns:a16="http://schemas.microsoft.com/office/drawing/2014/main" id="{0208539A-1438-4D3A-94EA-4F3252A4D482}"/>
-                </a:ext>
-              </a:extLst>
-            </p:cNvPr>
-            <p:cNvPicPr>
-              <a:picLocks noChangeAspect="1"/>
-            </p:cNvPicPr>
-            <p:nvPr/>
-          </p:nvPicPr>
-          <p:blipFill rotWithShape="1">
-            <a:blip r:embed="rId4">
-              <a:extLst>
-                <a:ext uri="{28A0092B-C50C-407E-A947-70E740481C1C}">
-                  <a14:useLocalDpi xmlns:a14="http://schemas.microsoft.com/office/drawing/2010/main" val="0"/>
-                </a:ext>
-              </a:extLst>
-            </a:blip>
-            <a:srcRect l="33572" t="14370" r="29474" b="9252"/>
-            <a:stretch/>
-          </p:blipFill>
-          <p:spPr>
-            <a:xfrm>
-              <a:off x="8357055" y="2580025"/>
-              <a:ext cx="2612572" cy="2699919"/>
-            </a:xfrm>
-            <a:prstGeom prst="rect">
-              <a:avLst/>
-            </a:prstGeom>
-          </p:spPr>
-        </p:pic>
-        <p:sp>
-          <p:nvSpPr>
-            <p:cNvPr id="6" name="TextBox 5">
-              <a:extLst>
-                <a:ext uri="{FF2B5EF4-FFF2-40B4-BE49-F238E27FC236}">
-                  <a16:creationId xmlns:a16="http://schemas.microsoft.com/office/drawing/2014/main" id="{9725B56F-4876-4022-BFBB-AAAAEA4614CE}"/>
-                </a:ext>
-              </a:extLst>
-            </p:cNvPr>
-            <p:cNvSpPr txBox="1"/>
-            <p:nvPr/>
-          </p:nvSpPr>
-          <p:spPr>
-            <a:xfrm>
-              <a:off x="8972550" y="3123426"/>
-              <a:ext cx="569387" cy="276999"/>
-            </a:xfrm>
-            <a:prstGeom prst="rect">
-              <a:avLst/>
-            </a:prstGeom>
-            <a:noFill/>
-          </p:spPr>
-          <p:txBody>
-            <a:bodyPr wrap="none" rtlCol="0">
-              <a:spAutoFit/>
-            </a:bodyPr>
-            <a:lstStyle/>
-            <a:p>
-              <a:r>
-                <a:rPr lang="en-US" sz="1200" dirty="0">
-                  <a:solidFill>
-                    <a:schemeClr val="bg1"/>
-                  </a:solidFill>
-                </a:rPr>
-                <a:t>31.5%</a:t>
-              </a:r>
-            </a:p>
-          </p:txBody>
-        </p:sp>
-      </p:grpSp>
-      <p:sp>
-        <p:nvSpPr>
-          <p:cNvPr id="11" name="Rectangle 10">
-            <a:extLst>
-              <a:ext uri="{FF2B5EF4-FFF2-40B4-BE49-F238E27FC236}">
-                <a16:creationId xmlns:a16="http://schemas.microsoft.com/office/drawing/2014/main" id="{643D068A-AF5E-417D-9074-D464D52C78F7}"/>
-              </a:ext>
-            </a:extLst>
-          </p:cNvPr>
-          <p:cNvSpPr/>
-          <p:nvPr/>
-        </p:nvSpPr>
-        <p:spPr>
-          <a:xfrm>
-            <a:off x="312621" y="1479833"/>
-            <a:ext cx="11566758" cy="523220"/>
-          </a:xfrm>
-          <a:prstGeom prst="rect">
-            <a:avLst/>
-          </a:prstGeom>
-        </p:spPr>
-        <p:txBody>
-          <a:bodyPr wrap="square">
-            <a:spAutoFit/>
-          </a:bodyPr>
-          <a:lstStyle/>
-          <a:p>
-            <a:r>
-              <a:rPr lang="en-US" sz="2800" dirty="0">
-                <a:solidFill>
-                  <a:schemeClr val="bg1"/>
-                </a:solidFill>
-                <a:latin typeface="Lato"/>
-              </a:rPr>
-              <a:t>Netflix content added over the years:</a:t>
-            </a:r>
-          </a:p>
-        </p:txBody>
-      </p:sp>
-      <p:sp>
-        <p:nvSpPr>
-          <p:cNvPr id="12" name="Rectangle 11">
-            <a:extLst>
-              <a:ext uri="{FF2B5EF4-FFF2-40B4-BE49-F238E27FC236}">
-                <a16:creationId xmlns:a16="http://schemas.microsoft.com/office/drawing/2014/main" id="{1CE28DC1-FA2E-4888-AED1-1299A3DBF9E1}"/>
-              </a:ext>
-            </a:extLst>
-          </p:cNvPr>
-          <p:cNvSpPr/>
-          <p:nvPr/>
-        </p:nvSpPr>
-        <p:spPr>
-          <a:xfrm>
-            <a:off x="8287596" y="2320836"/>
-            <a:ext cx="2751487" cy="646331"/>
-          </a:xfrm>
-          <a:prstGeom prst="rect">
-            <a:avLst/>
-          </a:prstGeom>
-        </p:spPr>
-        <p:txBody>
-          <a:bodyPr wrap="square">
-            <a:spAutoFit/>
-          </a:bodyPr>
-          <a:lstStyle/>
-          <a:p>
-            <a:pPr algn="ctr"/>
-            <a:r>
-              <a:rPr lang="en-US" dirty="0">
-                <a:solidFill>
-                  <a:schemeClr val="bg1"/>
-                </a:solidFill>
-                <a:latin typeface="Lato"/>
-              </a:rPr>
-              <a:t>Split of all Titles between Movies &amp; TV shows:</a:t>
-            </a:r>
-            <a:endParaRPr lang="en-US" sz="2000" dirty="0"/>
-          </a:p>
-        </p:txBody>
-      </p:sp>
-    </p:spTree>
-    <p:extLst>
-      <p:ext uri="{BB962C8B-B14F-4D97-AF65-F5344CB8AC3E}">
-        <p14:creationId xmlns:p14="http://schemas.microsoft.com/office/powerpoint/2010/main" val="3053438363"/>
-      </p:ext>
-    </p:extLst>
-  </p:cSld>
-  <p:clrMapOvr>
-    <a:masterClrMapping/>
-  </p:clrMapOvr>
-</p:sld>
-</file>
-
-<file path=ppt/slides/slide5.xml><?xml version="1.0" encoding="utf-8"?>
-<p:sld xmlns:a="http://schemas.openxmlformats.org/drawingml/2006/main" xmlns:r="http://schemas.openxmlformats.org/officeDocument/2006/relationships" xmlns:p="http://schemas.openxmlformats.org/presentationml/2006/main">
-  <p:cSld>
-    <p:spTree>
-      <p:nvGrpSpPr>
-        <p:cNvPr id="1" name=""/>
-        <p:cNvGrpSpPr/>
-        <p:nvPr/>
-      </p:nvGrpSpPr>
-      <p:grpSpPr>
-        <a:xfrm>
-          <a:off x="0" y="0"/>
-          <a:ext cx="0" cy="0"/>
-          <a:chOff x="0" y="0"/>
-          <a:chExt cx="0" cy="0"/>
-        </a:xfrm>
-      </p:grpSpPr>
-      <p:sp>
-        <p:nvSpPr>
           <p:cNvPr id="2" name="Slide Number Placeholder 1">
             <a:extLst>
               <a:ext uri="{FF2B5EF4-FFF2-40B4-BE49-F238E27FC236}">
@@ -17585,7 +17256,7 @@
           <a:p>
             <a:fld id="{C5C29BA6-2063-4E21-8EB4-93FCDE63A549}" type="slidenum">
               <a:rPr lang="en-US" smtClean="0"/>
-              <a:t>5</a:t>
+              <a:t>4</a:t>
             </a:fld>
             <a:endParaRPr lang="en-US"/>
           </a:p>
@@ -17898,7 +17569,7 @@
 </p:sld>
 </file>
 
-<file path=ppt/slides/slide6.xml><?xml version="1.0" encoding="utf-8"?>
+<file path=ppt/slides/slide5.xml><?xml version="1.0" encoding="utf-8"?>
 <p:sld xmlns:a="http://schemas.openxmlformats.org/drawingml/2006/main" xmlns:r="http://schemas.openxmlformats.org/officeDocument/2006/relationships" xmlns:p="http://schemas.openxmlformats.org/presentationml/2006/main">
   <p:cSld>
     <p:spTree>
@@ -17938,18 +17609,54 @@
           <a:p>
             <a:fld id="{C5C29BA6-2063-4E21-8EB4-93FCDE63A549}" type="slidenum">
               <a:rPr lang="en-US" smtClean="0"/>
-              <a:t>6</a:t>
+              <a:t>5</a:t>
             </a:fld>
             <a:endParaRPr lang="en-US"/>
           </a:p>
         </p:txBody>
       </p:sp>
+      <p:pic>
+        <p:nvPicPr>
+          <p:cNvPr id="3" name="Picture 2" descr="Chart, line chart&#10;&#10;Description automatically generated">
+            <a:extLst>
+              <a:ext uri="{FF2B5EF4-FFF2-40B4-BE49-F238E27FC236}">
+                <a16:creationId xmlns:a16="http://schemas.microsoft.com/office/drawing/2014/main" id="{6341B41A-088B-4A2C-ABA8-D09B59AC9C81}"/>
+              </a:ext>
+            </a:extLst>
+          </p:cNvPr>
+          <p:cNvPicPr>
+            <a:picLocks noChangeAspect="1"/>
+          </p:cNvPicPr>
+          <p:nvPr/>
+        </p:nvPicPr>
+        <p:blipFill>
+          <a:blip r:embed="rId3">
+            <a:extLst>
+              <a:ext uri="{28A0092B-C50C-407E-A947-70E740481C1C}">
+                <a14:useLocalDpi xmlns:a14="http://schemas.microsoft.com/office/drawing/2010/main" val="0"/>
+              </a:ext>
+            </a:extLst>
+          </a:blip>
+          <a:stretch>
+            <a:fillRect/>
+          </a:stretch>
+        </p:blipFill>
+        <p:spPr>
+          <a:xfrm>
+            <a:off x="376293" y="2079039"/>
+            <a:ext cx="7395029" cy="3981939"/>
+          </a:xfrm>
+          <a:prstGeom prst="rect">
+            <a:avLst/>
+          </a:prstGeom>
+        </p:spPr>
+      </p:pic>
       <p:sp>
         <p:nvSpPr>
-          <p:cNvPr id="4" name="Title 11">
+          <p:cNvPr id="9" name="Title 11">
             <a:extLst>
               <a:ext uri="{FF2B5EF4-FFF2-40B4-BE49-F238E27FC236}">
-                <a16:creationId xmlns:a16="http://schemas.microsoft.com/office/drawing/2014/main" id="{8CB52C0B-E9E7-4F83-89A9-3430C23E2838}"/>
+                <a16:creationId xmlns:a16="http://schemas.microsoft.com/office/drawing/2014/main" id="{EF382580-295D-4606-B511-22955BB9B581}"/>
               </a:ext>
             </a:extLst>
           </p:cNvPr>
@@ -17961,7 +17668,7 @@
         <p:spPr>
           <a:xfrm>
             <a:off x="170705" y="365125"/>
-            <a:ext cx="11527809" cy="1138495"/>
+            <a:ext cx="11527809" cy="796925"/>
           </a:xfrm>
           <a:prstGeom prst="rect">
             <a:avLst/>
@@ -17996,55 +17703,114 @@
                 <a:solidFill>
                   <a:schemeClr val="bg1"/>
                 </a:solidFill>
-                <a:latin typeface="Lato"/>
+                <a:latin typeface="+mn-lt"/>
               </a:rPr>
-              <a:t>Netflix Title’s OMBD Genre</a:t>
+              <a:t>Netflix TV shows vs Movies</a:t>
             </a:r>
           </a:p>
         </p:txBody>
       </p:sp>
-      <p:pic>
-        <p:nvPicPr>
-          <p:cNvPr id="3" name="Picture 2" descr="Chart, bar chart&#10;&#10;Description automatically generated">
+      <p:grpSp>
+        <p:nvGrpSpPr>
+          <p:cNvPr id="10" name="Group 9">
             <a:extLst>
               <a:ext uri="{FF2B5EF4-FFF2-40B4-BE49-F238E27FC236}">
-                <a16:creationId xmlns:a16="http://schemas.microsoft.com/office/drawing/2014/main" id="{2987B8E5-46F2-4C0D-B0C5-2D7E2BEAD1D0}"/>
+                <a16:creationId xmlns:a16="http://schemas.microsoft.com/office/drawing/2014/main" id="{6DB98B9C-4123-49B7-A7E9-A315021709E0}"/>
               </a:ext>
             </a:extLst>
           </p:cNvPr>
-          <p:cNvPicPr>
-            <a:picLocks noChangeAspect="1"/>
-          </p:cNvPicPr>
+          <p:cNvGrpSpPr/>
           <p:nvPr/>
-        </p:nvPicPr>
-        <p:blipFill>
-          <a:blip r:embed="rId3">
-            <a:extLst>
-              <a:ext uri="{28A0092B-C50C-407E-A947-70E740481C1C}">
-                <a14:useLocalDpi xmlns:a14="http://schemas.microsoft.com/office/drawing/2010/main" val="0"/>
-              </a:ext>
-            </a:extLst>
-          </a:blip>
-          <a:stretch>
-            <a:fillRect/>
-          </a:stretch>
-        </p:blipFill>
-        <p:spPr>
+        </p:nvGrpSpPr>
+        <p:grpSpPr>
           <a:xfrm>
-            <a:off x="332630" y="1472908"/>
-            <a:ext cx="4914154" cy="4914154"/>
+            <a:off x="8357054" y="3079857"/>
+            <a:ext cx="2612572" cy="2699919"/>
+            <a:chOff x="8357055" y="2580025"/>
+            <a:chExt cx="2612572" cy="2699919"/>
           </a:xfrm>
-          <a:prstGeom prst="rect">
-            <a:avLst/>
-          </a:prstGeom>
-        </p:spPr>
-      </p:pic>
+        </p:grpSpPr>
+        <p:pic>
+          <p:nvPicPr>
+            <p:cNvPr id="7" name="Picture 6" descr="Chart, pie chart&#10;&#10;Description automatically generated">
+              <a:extLst>
+                <a:ext uri="{FF2B5EF4-FFF2-40B4-BE49-F238E27FC236}">
+                  <a16:creationId xmlns:a16="http://schemas.microsoft.com/office/drawing/2014/main" id="{0208539A-1438-4D3A-94EA-4F3252A4D482}"/>
+                </a:ext>
+              </a:extLst>
+            </p:cNvPr>
+            <p:cNvPicPr>
+              <a:picLocks noChangeAspect="1"/>
+            </p:cNvPicPr>
+            <p:nvPr/>
+          </p:nvPicPr>
+          <p:blipFill rotWithShape="1">
+            <a:blip r:embed="rId4">
+              <a:extLst>
+                <a:ext uri="{28A0092B-C50C-407E-A947-70E740481C1C}">
+                  <a14:useLocalDpi xmlns:a14="http://schemas.microsoft.com/office/drawing/2010/main" val="0"/>
+                </a:ext>
+              </a:extLst>
+            </a:blip>
+            <a:srcRect l="33572" t="14370" r="29474" b="9252"/>
+            <a:stretch/>
+          </p:blipFill>
+          <p:spPr>
+            <a:xfrm>
+              <a:off x="8357055" y="2580025"/>
+              <a:ext cx="2612572" cy="2699919"/>
+            </a:xfrm>
+            <a:prstGeom prst="rect">
+              <a:avLst/>
+            </a:prstGeom>
+          </p:spPr>
+        </p:pic>
+        <p:sp>
+          <p:nvSpPr>
+            <p:cNvPr id="6" name="TextBox 5">
+              <a:extLst>
+                <a:ext uri="{FF2B5EF4-FFF2-40B4-BE49-F238E27FC236}">
+                  <a16:creationId xmlns:a16="http://schemas.microsoft.com/office/drawing/2014/main" id="{9725B56F-4876-4022-BFBB-AAAAEA4614CE}"/>
+                </a:ext>
+              </a:extLst>
+            </p:cNvPr>
+            <p:cNvSpPr txBox="1"/>
+            <p:nvPr/>
+          </p:nvSpPr>
+          <p:spPr>
+            <a:xfrm>
+              <a:off x="8972550" y="3123426"/>
+              <a:ext cx="569387" cy="276999"/>
+            </a:xfrm>
+            <a:prstGeom prst="rect">
+              <a:avLst/>
+            </a:prstGeom>
+            <a:noFill/>
+          </p:spPr>
+          <p:txBody>
+            <a:bodyPr wrap="none" rtlCol="0">
+              <a:spAutoFit/>
+            </a:bodyPr>
+            <a:lstStyle/>
+            <a:p>
+              <a:r>
+                <a:rPr lang="en-US" sz="1200" dirty="0">
+                  <a:solidFill>
+                    <a:schemeClr val="bg1"/>
+                  </a:solidFill>
+                </a:rPr>
+                <a:t>31.5%</a:t>
+              </a:r>
+            </a:p>
+          </p:txBody>
+        </p:sp>
+      </p:grpSp>
       <p:sp>
         <p:nvSpPr>
-          <p:cNvPr id="10" name="Rectangle 9">
+          <p:cNvPr id="11" name="Rectangle 10">
             <a:extLst>
               <a:ext uri="{FF2B5EF4-FFF2-40B4-BE49-F238E27FC236}">
-                <a16:creationId xmlns:a16="http://schemas.microsoft.com/office/drawing/2014/main" id="{C604D9FC-1AC8-4C7F-A5E9-2CD910B9567E}"/>
+                <a16:creationId xmlns:a16="http://schemas.microsoft.com/office/drawing/2014/main" id="{643D068A-AF5E-417D-9074-D464D52C78F7}"/>
               </a:ext>
             </a:extLst>
           </p:cNvPr>
@@ -18053,8 +17819,8 @@
         </p:nvSpPr>
         <p:spPr>
           <a:xfrm>
-            <a:off x="5695950" y="2167235"/>
-            <a:ext cx="5257800" cy="2800767"/>
+            <a:off x="312621" y="1479833"/>
+            <a:ext cx="11566758" cy="523220"/>
           </a:xfrm>
           <a:prstGeom prst="rect">
             <a:avLst/>
@@ -18067,208 +17833,23 @@
           <a:lstStyle/>
           <a:p>
             <a:r>
-              <a:rPr lang="en-US" sz="3200" dirty="0">
-                <a:solidFill>
-                  <a:schemeClr val="bg1"/>
-                </a:solidFill>
-              </a:rPr>
-              <a:t>We found a total of </a:t>
-            </a:r>
-            <a:r>
-              <a:rPr lang="en-US" sz="3200" b="1" dirty="0">
-                <a:solidFill>
-                  <a:srgbClr val="AC322E"/>
-                </a:solidFill>
-              </a:rPr>
-              <a:t>28 genres </a:t>
-            </a:r>
-            <a:r>
-              <a:rPr lang="en-US" sz="3200" dirty="0">
-                <a:solidFill>
-                  <a:schemeClr val="bg1"/>
-                </a:solidFill>
-              </a:rPr>
-              <a:t>in this dataset to train against. </a:t>
-            </a:r>
-          </a:p>
-          <a:p>
-            <a:endParaRPr lang="en-US" sz="2800" dirty="0">
-              <a:solidFill>
-                <a:schemeClr val="bg1"/>
-              </a:solidFill>
-            </a:endParaRPr>
-          </a:p>
-          <a:p>
-            <a:r>
               <a:rPr lang="en-US" sz="2800" dirty="0">
-                <a:solidFill>
-                  <a:schemeClr val="bg1"/>
-                </a:solidFill>
-              </a:rPr>
-              <a:t>The most common genre is Drama, which causes our predictions to be a bit unbalanced</a:t>
-            </a:r>
-          </a:p>
-        </p:txBody>
-      </p:sp>
-    </p:spTree>
-    <p:extLst>
-      <p:ext uri="{BB962C8B-B14F-4D97-AF65-F5344CB8AC3E}">
-        <p14:creationId xmlns:p14="http://schemas.microsoft.com/office/powerpoint/2010/main" val="1694610622"/>
-      </p:ext>
-    </p:extLst>
-  </p:cSld>
-  <p:clrMapOvr>
-    <a:masterClrMapping/>
-  </p:clrMapOvr>
-</p:sld>
-</file>
-
-<file path=ppt/slides/slide7.xml><?xml version="1.0" encoding="utf-8"?>
-<p:sld xmlns:a="http://schemas.openxmlformats.org/drawingml/2006/main" xmlns:r="http://schemas.openxmlformats.org/officeDocument/2006/relationships" xmlns:p="http://schemas.openxmlformats.org/presentationml/2006/main">
-  <p:cSld>
-    <p:spTree>
-      <p:nvGrpSpPr>
-        <p:cNvPr id="1" name=""/>
-        <p:cNvGrpSpPr/>
-        <p:nvPr/>
-      </p:nvGrpSpPr>
-      <p:grpSpPr>
-        <a:xfrm>
-          <a:off x="0" y="0"/>
-          <a:ext cx="0" cy="0"/>
-          <a:chOff x="0" y="0"/>
-          <a:chExt cx="0" cy="0"/>
-        </a:xfrm>
-      </p:grpSpPr>
-      <p:sp>
-        <p:nvSpPr>
-          <p:cNvPr id="8" name="Slide Number Placeholder 7">
-            <a:extLst>
-              <a:ext uri="{FF2B5EF4-FFF2-40B4-BE49-F238E27FC236}">
-                <a16:creationId xmlns:a16="http://schemas.microsoft.com/office/drawing/2014/main" id="{0C2FDFE4-C2A7-4516-AF4D-454B6626667C}"/>
-              </a:ext>
-            </a:extLst>
-          </p:cNvPr>
-          <p:cNvSpPr>
-            <a:spLocks noGrp="1"/>
-          </p:cNvSpPr>
-          <p:nvPr>
-            <p:ph type="sldNum" sz="quarter" idx="12"/>
-          </p:nvPr>
-        </p:nvSpPr>
-        <p:spPr/>
-        <p:txBody>
-          <a:bodyPr/>
-          <a:lstStyle/>
-          <a:p>
-            <a:fld id="{C5C29BA6-2063-4E21-8EB4-93FCDE63A549}" type="slidenum">
-              <a:rPr lang="en-US" smtClean="0"/>
-              <a:t>7</a:t>
-            </a:fld>
-            <a:endParaRPr lang="en-US"/>
-          </a:p>
-        </p:txBody>
-      </p:sp>
-      <p:sp>
-        <p:nvSpPr>
-          <p:cNvPr id="4" name="Title 11">
-            <a:extLst>
-              <a:ext uri="{FF2B5EF4-FFF2-40B4-BE49-F238E27FC236}">
-                <a16:creationId xmlns:a16="http://schemas.microsoft.com/office/drawing/2014/main" id="{8CB52C0B-E9E7-4F83-89A9-3430C23E2838}"/>
-              </a:ext>
-            </a:extLst>
-          </p:cNvPr>
-          <p:cNvSpPr txBox="1">
-            <a:spLocks/>
-          </p:cNvSpPr>
-          <p:nvPr/>
-        </p:nvSpPr>
-        <p:spPr>
-          <a:xfrm>
-            <a:off x="170705" y="365125"/>
-            <a:ext cx="11527809" cy="1138495"/>
-          </a:xfrm>
-          <a:prstGeom prst="rect">
-            <a:avLst/>
-          </a:prstGeom>
-        </p:spPr>
-        <p:txBody>
-          <a:bodyPr>
-            <a:noAutofit/>
-          </a:bodyPr>
-          <a:lstStyle>
-            <a:lvl1pPr algn="l" defTabSz="914400" rtl="0" eaLnBrk="1" latinLnBrk="0" hangingPunct="1">
-              <a:lnSpc>
-                <a:spcPct val="90000"/>
-              </a:lnSpc>
-              <a:spcBef>
-                <a:spcPct val="0"/>
-              </a:spcBef>
-              <a:buNone/>
-              <a:defRPr sz="4400" kern="1200">
-                <a:solidFill>
-                  <a:schemeClr val="tx1"/>
-                </a:solidFill>
-                <a:latin typeface="+mj-lt"/>
-                <a:ea typeface="+mj-ea"/>
-                <a:cs typeface="+mj-cs"/>
-              </a:defRPr>
-            </a:lvl1pPr>
-          </a:lstStyle>
-          <a:p>
-            <a:r>
-              <a:rPr lang="en-US" sz="3600" b="1" dirty="0">
                 <a:solidFill>
                   <a:schemeClr val="bg1"/>
                 </a:solidFill>
                 <a:latin typeface="Lato"/>
               </a:rPr>
-              <a:t>Netflix Title’s Rating</a:t>
+              <a:t>Netflix content added over the years:</a:t>
             </a:r>
           </a:p>
         </p:txBody>
       </p:sp>
-      <p:pic>
-        <p:nvPicPr>
-          <p:cNvPr id="6" name="Picture 5" descr="Chart, bar chart&#10;&#10;Description automatically generated">
+      <p:sp>
+        <p:nvSpPr>
+          <p:cNvPr id="12" name="Rectangle 11">
             <a:extLst>
               <a:ext uri="{FF2B5EF4-FFF2-40B4-BE49-F238E27FC236}">
-                <a16:creationId xmlns:a16="http://schemas.microsoft.com/office/drawing/2014/main" id="{F0375128-A48E-461E-A0F8-3967BD1F8A16}"/>
-              </a:ext>
-            </a:extLst>
-          </p:cNvPr>
-          <p:cNvPicPr>
-            <a:picLocks noChangeAspect="1"/>
-          </p:cNvPicPr>
-          <p:nvPr/>
-        </p:nvPicPr>
-        <p:blipFill rotWithShape="1">
-          <a:blip r:embed="rId3">
-            <a:extLst>
-              <a:ext uri="{28A0092B-C50C-407E-A947-70E740481C1C}">
-                <a14:useLocalDpi xmlns:a14="http://schemas.microsoft.com/office/drawing/2010/main" val="0"/>
-              </a:ext>
-            </a:extLst>
-          </a:blip>
-          <a:srcRect l="7921" r="8206" b="6685"/>
-          <a:stretch/>
-        </p:blipFill>
-        <p:spPr>
-          <a:xfrm>
-            <a:off x="258989" y="1372345"/>
-            <a:ext cx="6200775" cy="3714750"/>
-          </a:xfrm>
-          <a:prstGeom prst="rect">
-            <a:avLst/>
-          </a:prstGeom>
-        </p:spPr>
-      </p:pic>
-      <p:sp>
-        <p:nvSpPr>
-          <p:cNvPr id="2" name="Rectangle 1">
-            <a:extLst>
-              <a:ext uri="{FF2B5EF4-FFF2-40B4-BE49-F238E27FC236}">
-                <a16:creationId xmlns:a16="http://schemas.microsoft.com/office/drawing/2014/main" id="{A0D67E14-F426-4422-9BCA-E4FBC1EB77A3}"/>
+                <a16:creationId xmlns:a16="http://schemas.microsoft.com/office/drawing/2014/main" id="{1CE28DC1-FA2E-4888-AED1-1299A3DBF9E1}"/>
               </a:ext>
             </a:extLst>
           </p:cNvPr>
@@ -18277,8 +17858,8 @@
         </p:nvSpPr>
         <p:spPr>
           <a:xfrm>
-            <a:off x="6533077" y="3779412"/>
-            <a:ext cx="5119226" cy="1200329"/>
+            <a:off x="8287596" y="2320836"/>
+            <a:ext cx="2751487" cy="646331"/>
           </a:xfrm>
           <a:prstGeom prst="rect">
             <a:avLst/>
@@ -18290,281 +17871,24 @@
           </a:bodyPr>
           <a:lstStyle/>
           <a:p>
-            <a:r>
-              <a:rPr lang="en-US" b="1" i="0" dirty="0">
-                <a:solidFill>
-                  <a:srgbClr val="AC322E"/>
-                </a:solidFill>
-                <a:effectLst/>
-                <a:latin typeface="Slack-Lato"/>
-              </a:rPr>
-              <a:t>To improve predictive results</a:t>
-            </a:r>
-            <a:r>
-              <a:rPr lang="en-US" b="1" dirty="0">
-                <a:solidFill>
-                  <a:srgbClr val="AC322E"/>
-                </a:solidFill>
-                <a:latin typeface="Slack-Lato"/>
-              </a:rPr>
-              <a:t>…</a:t>
-            </a:r>
-            <a:endParaRPr lang="en-US" b="1" i="0" dirty="0">
-              <a:solidFill>
-                <a:srgbClr val="AC322E"/>
-              </a:solidFill>
-              <a:effectLst/>
-              <a:latin typeface="Slack-Lato"/>
-            </a:endParaRPr>
-          </a:p>
-          <a:p>
-            <a:r>
-              <a:rPr lang="pt-BR" b="1" dirty="0" err="1">
-                <a:solidFill>
-                  <a:schemeClr val="bg1"/>
-                </a:solidFill>
-                <a:latin typeface="Slack-Lato"/>
-              </a:rPr>
-              <a:t>Grouped</a:t>
-            </a:r>
-            <a:r>
-              <a:rPr lang="pt-BR" b="1" dirty="0">
-                <a:solidFill>
-                  <a:schemeClr val="bg1"/>
-                </a:solidFill>
-                <a:latin typeface="Slack-Lato"/>
-              </a:rPr>
-              <a:t> </a:t>
-            </a:r>
-            <a:r>
-              <a:rPr lang="pt-BR" b="1" dirty="0" err="1">
-                <a:solidFill>
-                  <a:schemeClr val="bg1"/>
-                </a:solidFill>
-                <a:latin typeface="Slack-Lato"/>
-              </a:rPr>
-              <a:t>to</a:t>
-            </a:r>
-            <a:r>
-              <a:rPr lang="pt-BR" b="1" dirty="0">
-                <a:solidFill>
-                  <a:schemeClr val="bg1"/>
-                </a:solidFill>
-                <a:latin typeface="Slack-Lato"/>
-              </a:rPr>
-              <a:t> 5 ratings = G, PG, PG-13, R, NC-17</a:t>
-            </a:r>
-            <a:endParaRPr lang="en-US" b="1" dirty="0">
-              <a:solidFill>
-                <a:schemeClr val="bg1"/>
-              </a:solidFill>
-              <a:latin typeface="Slack-Lato"/>
-            </a:endParaRPr>
-          </a:p>
-          <a:p>
-            <a:pPr marL="285750" indent="-285750">
-              <a:buFont typeface="Arial" panose="020B0604020202020204" pitchFamily="34" charset="0"/>
-              <a:buChar char="•"/>
-            </a:pPr>
-            <a:r>
-              <a:rPr lang="en-US" b="0" i="0" dirty="0">
-                <a:solidFill>
-                  <a:schemeClr val="bg1"/>
-                </a:solidFill>
-                <a:effectLst/>
-                <a:latin typeface="Slack-Lato"/>
-              </a:rPr>
-              <a:t>Grouped to G: ‘TV-Y7</a:t>
-            </a:r>
+            <a:pPr algn="ctr"/>
             <a:r>
               <a:rPr lang="en-US" dirty="0">
                 <a:solidFill>
                   <a:schemeClr val="bg1"/>
                 </a:solidFill>
-                <a:latin typeface="Slack-Lato"/>
+                <a:latin typeface="Lato"/>
               </a:rPr>
-              <a:t>’ </a:t>
+              <a:t>Split of all Titles between Movies &amp; TV shows:</a:t>
             </a:r>
-            <a:r>
-              <a:rPr lang="en-US" b="0" i="0" dirty="0">
-                <a:solidFill>
-                  <a:schemeClr val="bg1"/>
-                </a:solidFill>
-                <a:effectLst/>
-                <a:latin typeface="Slack-Lato"/>
-              </a:rPr>
-              <a:t>, ’TV-G</a:t>
-            </a:r>
-            <a:r>
-              <a:rPr lang="en-US" dirty="0">
-                <a:solidFill>
-                  <a:schemeClr val="bg1"/>
-                </a:solidFill>
-                <a:latin typeface="Slack-Lato"/>
-              </a:rPr>
-              <a:t>’ </a:t>
-            </a:r>
-            <a:r>
-              <a:rPr lang="en-US" b="0" i="0" dirty="0">
-                <a:solidFill>
-                  <a:schemeClr val="bg1"/>
-                </a:solidFill>
-                <a:effectLst/>
-                <a:latin typeface="Slack-Lato"/>
-              </a:rPr>
-              <a:t>, ’TV-Y</a:t>
-            </a:r>
-            <a:r>
-              <a:rPr lang="en-US" dirty="0">
-                <a:solidFill>
-                  <a:schemeClr val="bg1"/>
-                </a:solidFill>
-                <a:latin typeface="Slack-Lato"/>
-              </a:rPr>
-              <a:t>’ </a:t>
-            </a:r>
-            <a:r>
-              <a:rPr lang="en-US" b="0" i="0" dirty="0">
-                <a:solidFill>
-                  <a:schemeClr val="bg1"/>
-                </a:solidFill>
-                <a:effectLst/>
-                <a:latin typeface="Slack-Lato"/>
-              </a:rPr>
-              <a:t>, ’TV-Y7-FV</a:t>
-            </a:r>
-            <a:r>
-              <a:rPr lang="en-US" dirty="0">
-                <a:solidFill>
-                  <a:schemeClr val="bg1"/>
-                </a:solidFill>
-                <a:latin typeface="Slack-Lato"/>
-              </a:rPr>
-              <a:t>’</a:t>
-            </a:r>
-            <a:endParaRPr lang="en-US" b="0" i="0" dirty="0">
-              <a:solidFill>
-                <a:schemeClr val="bg1"/>
-              </a:solidFill>
-              <a:effectLst/>
-              <a:latin typeface="Slack-Lato"/>
-            </a:endParaRPr>
-          </a:p>
-          <a:p>
-            <a:pPr marL="285750" indent="-285750">
-              <a:buFont typeface="Arial" panose="020B0604020202020204" pitchFamily="34" charset="0"/>
-              <a:buChar char="•"/>
-            </a:pPr>
-            <a:r>
-              <a:rPr lang="en-US" b="0" i="0" dirty="0">
-                <a:solidFill>
-                  <a:schemeClr val="bg1"/>
-                </a:solidFill>
-                <a:effectLst/>
-                <a:latin typeface="Slack-Lato"/>
-              </a:rPr>
-              <a:t>Grouped to R: </a:t>
-            </a:r>
-            <a:r>
-              <a:rPr lang="en-US" dirty="0">
-                <a:solidFill>
-                  <a:schemeClr val="bg1"/>
-                </a:solidFill>
-              </a:rPr>
-              <a:t>'TV-MA’ &amp; 'R'</a:t>
-            </a:r>
-          </a:p>
-        </p:txBody>
-      </p:sp>
-      <p:sp>
-        <p:nvSpPr>
-          <p:cNvPr id="5" name="Rectangle 4">
-            <a:extLst>
-              <a:ext uri="{FF2B5EF4-FFF2-40B4-BE49-F238E27FC236}">
-                <a16:creationId xmlns:a16="http://schemas.microsoft.com/office/drawing/2014/main" id="{69C1F4AD-C1B9-4B16-BE76-6754BE61F03D}"/>
-              </a:ext>
-            </a:extLst>
-          </p:cNvPr>
-          <p:cNvSpPr/>
-          <p:nvPr/>
-        </p:nvSpPr>
-        <p:spPr>
-          <a:xfrm>
-            <a:off x="6548048" y="1664141"/>
-            <a:ext cx="4774512" cy="1938992"/>
-          </a:xfrm>
-          <a:prstGeom prst="rect">
-            <a:avLst/>
-          </a:prstGeom>
-        </p:spPr>
-        <p:txBody>
-          <a:bodyPr wrap="square">
-            <a:spAutoFit/>
-          </a:bodyPr>
-          <a:lstStyle/>
-          <a:p>
-            <a:r>
-              <a:rPr lang="en-US" sz="2000" b="0" i="0" dirty="0">
-                <a:solidFill>
-                  <a:schemeClr val="bg1"/>
-                </a:solidFill>
-                <a:effectLst/>
-                <a:latin typeface="-apple-system"/>
-              </a:rPr>
-              <a:t>There are a massive amounts of </a:t>
-            </a:r>
-            <a:r>
-              <a:rPr lang="en-US" sz="2000" dirty="0">
-                <a:solidFill>
-                  <a:schemeClr val="bg1"/>
-                </a:solidFill>
-                <a:latin typeface="-apple-system"/>
-              </a:rPr>
-              <a:t>options </a:t>
-            </a:r>
-            <a:r>
-              <a:rPr lang="en-US" sz="2000" b="0" i="0" dirty="0">
-                <a:solidFill>
-                  <a:schemeClr val="bg1"/>
-                </a:solidFill>
-                <a:effectLst/>
-                <a:latin typeface="-apple-system"/>
-              </a:rPr>
-              <a:t>presented on Netflix…. </a:t>
-            </a:r>
-          </a:p>
-          <a:p>
-            <a:endParaRPr lang="en-US" sz="2000" b="0" i="0" dirty="0">
-              <a:solidFill>
-                <a:schemeClr val="bg1"/>
-              </a:solidFill>
-              <a:effectLst/>
-              <a:latin typeface="-apple-system"/>
-            </a:endParaRPr>
-          </a:p>
-          <a:p>
-            <a:r>
-              <a:rPr lang="en-US" sz="2000" b="0" i="0" dirty="0">
-                <a:solidFill>
-                  <a:schemeClr val="bg1"/>
-                </a:solidFill>
-                <a:effectLst/>
-                <a:latin typeface="-apple-system"/>
-              </a:rPr>
-              <a:t>Our prediction model can help navigate towards the right rating for your TV show or movie</a:t>
-            </a:r>
-            <a:endParaRPr lang="en-US" sz="2000" dirty="0">
-              <a:solidFill>
-                <a:schemeClr val="bg1"/>
-              </a:solidFill>
-            </a:endParaRPr>
+            <a:endParaRPr lang="en-US" sz="2000" dirty="0"/>
           </a:p>
         </p:txBody>
       </p:sp>
     </p:spTree>
     <p:extLst>
       <p:ext uri="{BB962C8B-B14F-4D97-AF65-F5344CB8AC3E}">
-        <p14:creationId xmlns:p14="http://schemas.microsoft.com/office/powerpoint/2010/main" val="3826316935"/>
+        <p14:creationId xmlns:p14="http://schemas.microsoft.com/office/powerpoint/2010/main" val="3053438363"/>
       </p:ext>
     </p:extLst>
   </p:cSld>
@@ -18574,7 +17898,7 @@
 </p:sld>
 </file>
 
-<file path=ppt/slides/slide8.xml><?xml version="1.0" encoding="utf-8"?>
+<file path=ppt/slides/slide6.xml><?xml version="1.0" encoding="utf-8"?>
 <p:sld xmlns:a="http://schemas.openxmlformats.org/drawingml/2006/main" xmlns:r="http://schemas.openxmlformats.org/officeDocument/2006/relationships" xmlns:p="http://schemas.openxmlformats.org/presentationml/2006/main">
   <p:cSld>
     <p:spTree>
@@ -18619,7 +17943,7 @@
           <a:p>
             <a:fld id="{C5C29BA6-2063-4E21-8EB4-93FCDE63A549}" type="slidenum">
               <a:rPr lang="en-US" smtClean="0"/>
-              <a:t>8</a:t>
+              <a:t>6</a:t>
             </a:fld>
             <a:endParaRPr lang="en-US"/>
           </a:p>
@@ -18866,6 +18190,682 @@
     <p:extLst>
       <p:ext uri="{BB962C8B-B14F-4D97-AF65-F5344CB8AC3E}">
         <p14:creationId xmlns:p14="http://schemas.microsoft.com/office/powerpoint/2010/main" val="684741196"/>
+      </p:ext>
+    </p:extLst>
+  </p:cSld>
+  <p:clrMapOvr>
+    <a:masterClrMapping/>
+  </p:clrMapOvr>
+</p:sld>
+</file>
+
+<file path=ppt/slides/slide7.xml><?xml version="1.0" encoding="utf-8"?>
+<p:sld xmlns:a="http://schemas.openxmlformats.org/drawingml/2006/main" xmlns:r="http://schemas.openxmlformats.org/officeDocument/2006/relationships" xmlns:p="http://schemas.openxmlformats.org/presentationml/2006/main">
+  <p:cSld>
+    <p:spTree>
+      <p:nvGrpSpPr>
+        <p:cNvPr id="1" name=""/>
+        <p:cNvGrpSpPr/>
+        <p:nvPr/>
+      </p:nvGrpSpPr>
+      <p:grpSpPr>
+        <a:xfrm>
+          <a:off x="0" y="0"/>
+          <a:ext cx="0" cy="0"/>
+          <a:chOff x="0" y="0"/>
+          <a:chExt cx="0" cy="0"/>
+        </a:xfrm>
+      </p:grpSpPr>
+      <p:sp>
+        <p:nvSpPr>
+          <p:cNvPr id="8" name="Slide Number Placeholder 7">
+            <a:extLst>
+              <a:ext uri="{FF2B5EF4-FFF2-40B4-BE49-F238E27FC236}">
+                <a16:creationId xmlns:a16="http://schemas.microsoft.com/office/drawing/2014/main" id="{0C2FDFE4-C2A7-4516-AF4D-454B6626667C}"/>
+              </a:ext>
+            </a:extLst>
+          </p:cNvPr>
+          <p:cNvSpPr>
+            <a:spLocks noGrp="1"/>
+          </p:cNvSpPr>
+          <p:nvPr>
+            <p:ph type="sldNum" sz="quarter" idx="12"/>
+          </p:nvPr>
+        </p:nvSpPr>
+        <p:spPr/>
+        <p:txBody>
+          <a:bodyPr/>
+          <a:lstStyle/>
+          <a:p>
+            <a:fld id="{C5C29BA6-2063-4E21-8EB4-93FCDE63A549}" type="slidenum">
+              <a:rPr lang="en-US" smtClean="0"/>
+              <a:t>7</a:t>
+            </a:fld>
+            <a:endParaRPr lang="en-US"/>
+          </a:p>
+        </p:txBody>
+      </p:sp>
+      <p:sp>
+        <p:nvSpPr>
+          <p:cNvPr id="4" name="Title 11">
+            <a:extLst>
+              <a:ext uri="{FF2B5EF4-FFF2-40B4-BE49-F238E27FC236}">
+                <a16:creationId xmlns:a16="http://schemas.microsoft.com/office/drawing/2014/main" id="{8CB52C0B-E9E7-4F83-89A9-3430C23E2838}"/>
+              </a:ext>
+            </a:extLst>
+          </p:cNvPr>
+          <p:cNvSpPr txBox="1">
+            <a:spLocks/>
+          </p:cNvSpPr>
+          <p:nvPr/>
+        </p:nvSpPr>
+        <p:spPr>
+          <a:xfrm>
+            <a:off x="170705" y="365125"/>
+            <a:ext cx="11527809" cy="1138495"/>
+          </a:xfrm>
+          <a:prstGeom prst="rect">
+            <a:avLst/>
+          </a:prstGeom>
+        </p:spPr>
+        <p:txBody>
+          <a:bodyPr>
+            <a:noAutofit/>
+          </a:bodyPr>
+          <a:lstStyle>
+            <a:lvl1pPr algn="l" defTabSz="914400" rtl="0" eaLnBrk="1" latinLnBrk="0" hangingPunct="1">
+              <a:lnSpc>
+                <a:spcPct val="90000"/>
+              </a:lnSpc>
+              <a:spcBef>
+                <a:spcPct val="0"/>
+              </a:spcBef>
+              <a:buNone/>
+              <a:defRPr sz="4400" kern="1200">
+                <a:solidFill>
+                  <a:schemeClr val="tx1"/>
+                </a:solidFill>
+                <a:latin typeface="+mj-lt"/>
+                <a:ea typeface="+mj-ea"/>
+                <a:cs typeface="+mj-cs"/>
+              </a:defRPr>
+            </a:lvl1pPr>
+          </a:lstStyle>
+          <a:p>
+            <a:r>
+              <a:rPr lang="en-US" sz="3600" b="1" dirty="0">
+                <a:solidFill>
+                  <a:schemeClr val="bg1"/>
+                </a:solidFill>
+                <a:latin typeface="Lato"/>
+              </a:rPr>
+              <a:t>Netflix Title’s Rating</a:t>
+            </a:r>
+          </a:p>
+        </p:txBody>
+      </p:sp>
+      <p:pic>
+        <p:nvPicPr>
+          <p:cNvPr id="6" name="Picture 5" descr="Chart, bar chart&#10;&#10;Description automatically generated">
+            <a:extLst>
+              <a:ext uri="{FF2B5EF4-FFF2-40B4-BE49-F238E27FC236}">
+                <a16:creationId xmlns:a16="http://schemas.microsoft.com/office/drawing/2014/main" id="{F0375128-A48E-461E-A0F8-3967BD1F8A16}"/>
+              </a:ext>
+            </a:extLst>
+          </p:cNvPr>
+          <p:cNvPicPr>
+            <a:picLocks noChangeAspect="1"/>
+          </p:cNvPicPr>
+          <p:nvPr/>
+        </p:nvPicPr>
+        <p:blipFill rotWithShape="1">
+          <a:blip r:embed="rId3">
+            <a:extLst>
+              <a:ext uri="{28A0092B-C50C-407E-A947-70E740481C1C}">
+                <a14:useLocalDpi xmlns:a14="http://schemas.microsoft.com/office/drawing/2010/main" val="0"/>
+              </a:ext>
+            </a:extLst>
+          </a:blip>
+          <a:srcRect l="7921" r="8206" b="6685"/>
+          <a:stretch/>
+        </p:blipFill>
+        <p:spPr>
+          <a:xfrm>
+            <a:off x="258989" y="1372345"/>
+            <a:ext cx="6200775" cy="3714750"/>
+          </a:xfrm>
+          <a:prstGeom prst="rect">
+            <a:avLst/>
+          </a:prstGeom>
+        </p:spPr>
+      </p:pic>
+      <p:sp>
+        <p:nvSpPr>
+          <p:cNvPr id="2" name="Rectangle 1">
+            <a:extLst>
+              <a:ext uri="{FF2B5EF4-FFF2-40B4-BE49-F238E27FC236}">
+                <a16:creationId xmlns:a16="http://schemas.microsoft.com/office/drawing/2014/main" id="{A0D67E14-F426-4422-9BCA-E4FBC1EB77A3}"/>
+              </a:ext>
+            </a:extLst>
+          </p:cNvPr>
+          <p:cNvSpPr/>
+          <p:nvPr/>
+        </p:nvSpPr>
+        <p:spPr>
+          <a:xfrm>
+            <a:off x="6533077" y="3779412"/>
+            <a:ext cx="5119226" cy="1200329"/>
+          </a:xfrm>
+          <a:prstGeom prst="rect">
+            <a:avLst/>
+          </a:prstGeom>
+        </p:spPr>
+        <p:txBody>
+          <a:bodyPr wrap="square">
+            <a:spAutoFit/>
+          </a:bodyPr>
+          <a:lstStyle/>
+          <a:p>
+            <a:r>
+              <a:rPr lang="en-US" b="1" i="0" dirty="0">
+                <a:solidFill>
+                  <a:srgbClr val="AC322E"/>
+                </a:solidFill>
+                <a:effectLst/>
+                <a:latin typeface="Slack-Lato"/>
+              </a:rPr>
+              <a:t>To improve predictive results</a:t>
+            </a:r>
+            <a:r>
+              <a:rPr lang="en-US" b="1" dirty="0">
+                <a:solidFill>
+                  <a:srgbClr val="AC322E"/>
+                </a:solidFill>
+                <a:latin typeface="Slack-Lato"/>
+              </a:rPr>
+              <a:t>…</a:t>
+            </a:r>
+            <a:endParaRPr lang="en-US" b="1" i="0" dirty="0">
+              <a:solidFill>
+                <a:srgbClr val="AC322E"/>
+              </a:solidFill>
+              <a:effectLst/>
+              <a:latin typeface="Slack-Lato"/>
+            </a:endParaRPr>
+          </a:p>
+          <a:p>
+            <a:r>
+              <a:rPr lang="pt-BR" b="1" dirty="0" err="1">
+                <a:solidFill>
+                  <a:schemeClr val="bg1"/>
+                </a:solidFill>
+                <a:latin typeface="Slack-Lato"/>
+              </a:rPr>
+              <a:t>Grouped</a:t>
+            </a:r>
+            <a:r>
+              <a:rPr lang="pt-BR" b="1" dirty="0">
+                <a:solidFill>
+                  <a:schemeClr val="bg1"/>
+                </a:solidFill>
+                <a:latin typeface="Slack-Lato"/>
+              </a:rPr>
+              <a:t> </a:t>
+            </a:r>
+            <a:r>
+              <a:rPr lang="pt-BR" b="1" dirty="0" err="1">
+                <a:solidFill>
+                  <a:schemeClr val="bg1"/>
+                </a:solidFill>
+                <a:latin typeface="Slack-Lato"/>
+              </a:rPr>
+              <a:t>to</a:t>
+            </a:r>
+            <a:r>
+              <a:rPr lang="pt-BR" b="1" dirty="0">
+                <a:solidFill>
+                  <a:schemeClr val="bg1"/>
+                </a:solidFill>
+                <a:latin typeface="Slack-Lato"/>
+              </a:rPr>
+              <a:t> 5 ratings = G, PG, PG-13, R, NC-17</a:t>
+            </a:r>
+            <a:endParaRPr lang="en-US" b="1" dirty="0">
+              <a:solidFill>
+                <a:schemeClr val="bg1"/>
+              </a:solidFill>
+              <a:latin typeface="Slack-Lato"/>
+            </a:endParaRPr>
+          </a:p>
+          <a:p>
+            <a:pPr marL="285750" indent="-285750">
+              <a:buFont typeface="Arial" panose="020B0604020202020204" pitchFamily="34" charset="0"/>
+              <a:buChar char="•"/>
+            </a:pPr>
+            <a:r>
+              <a:rPr lang="en-US" b="0" i="0" dirty="0">
+                <a:solidFill>
+                  <a:schemeClr val="bg1"/>
+                </a:solidFill>
+                <a:effectLst/>
+                <a:latin typeface="Slack-Lato"/>
+              </a:rPr>
+              <a:t>Grouped to G: ‘TV-Y7</a:t>
+            </a:r>
+            <a:r>
+              <a:rPr lang="en-US" dirty="0">
+                <a:solidFill>
+                  <a:schemeClr val="bg1"/>
+                </a:solidFill>
+                <a:latin typeface="Slack-Lato"/>
+              </a:rPr>
+              <a:t>’ </a:t>
+            </a:r>
+            <a:r>
+              <a:rPr lang="en-US" b="0" i="0" dirty="0">
+                <a:solidFill>
+                  <a:schemeClr val="bg1"/>
+                </a:solidFill>
+                <a:effectLst/>
+                <a:latin typeface="Slack-Lato"/>
+              </a:rPr>
+              <a:t>, ’TV-G</a:t>
+            </a:r>
+            <a:r>
+              <a:rPr lang="en-US" dirty="0">
+                <a:solidFill>
+                  <a:schemeClr val="bg1"/>
+                </a:solidFill>
+                <a:latin typeface="Slack-Lato"/>
+              </a:rPr>
+              <a:t>’ </a:t>
+            </a:r>
+            <a:r>
+              <a:rPr lang="en-US" b="0" i="0" dirty="0">
+                <a:solidFill>
+                  <a:schemeClr val="bg1"/>
+                </a:solidFill>
+                <a:effectLst/>
+                <a:latin typeface="Slack-Lato"/>
+              </a:rPr>
+              <a:t>, ’TV-Y</a:t>
+            </a:r>
+            <a:r>
+              <a:rPr lang="en-US" dirty="0">
+                <a:solidFill>
+                  <a:schemeClr val="bg1"/>
+                </a:solidFill>
+                <a:latin typeface="Slack-Lato"/>
+              </a:rPr>
+              <a:t>’ </a:t>
+            </a:r>
+            <a:r>
+              <a:rPr lang="en-US" b="0" i="0" dirty="0">
+                <a:solidFill>
+                  <a:schemeClr val="bg1"/>
+                </a:solidFill>
+                <a:effectLst/>
+                <a:latin typeface="Slack-Lato"/>
+              </a:rPr>
+              <a:t>, ’TV-Y7-FV</a:t>
+            </a:r>
+            <a:r>
+              <a:rPr lang="en-US" dirty="0">
+                <a:solidFill>
+                  <a:schemeClr val="bg1"/>
+                </a:solidFill>
+                <a:latin typeface="Slack-Lato"/>
+              </a:rPr>
+              <a:t>’</a:t>
+            </a:r>
+            <a:endParaRPr lang="en-US" b="0" i="0" dirty="0">
+              <a:solidFill>
+                <a:schemeClr val="bg1"/>
+              </a:solidFill>
+              <a:effectLst/>
+              <a:latin typeface="Slack-Lato"/>
+            </a:endParaRPr>
+          </a:p>
+          <a:p>
+            <a:pPr marL="285750" indent="-285750">
+              <a:buFont typeface="Arial" panose="020B0604020202020204" pitchFamily="34" charset="0"/>
+              <a:buChar char="•"/>
+            </a:pPr>
+            <a:r>
+              <a:rPr lang="en-US" b="0" i="0" dirty="0">
+                <a:solidFill>
+                  <a:schemeClr val="bg1"/>
+                </a:solidFill>
+                <a:effectLst/>
+                <a:latin typeface="Slack-Lato"/>
+              </a:rPr>
+              <a:t>Grouped to R: </a:t>
+            </a:r>
+            <a:r>
+              <a:rPr lang="en-US" dirty="0">
+                <a:solidFill>
+                  <a:schemeClr val="bg1"/>
+                </a:solidFill>
+              </a:rPr>
+              <a:t>'TV-MA’ &amp; 'R'</a:t>
+            </a:r>
+          </a:p>
+        </p:txBody>
+      </p:sp>
+      <p:sp>
+        <p:nvSpPr>
+          <p:cNvPr id="5" name="Rectangle 4">
+            <a:extLst>
+              <a:ext uri="{FF2B5EF4-FFF2-40B4-BE49-F238E27FC236}">
+                <a16:creationId xmlns:a16="http://schemas.microsoft.com/office/drawing/2014/main" id="{69C1F4AD-C1B9-4B16-BE76-6754BE61F03D}"/>
+              </a:ext>
+            </a:extLst>
+          </p:cNvPr>
+          <p:cNvSpPr/>
+          <p:nvPr/>
+        </p:nvSpPr>
+        <p:spPr>
+          <a:xfrm>
+            <a:off x="6548048" y="1664141"/>
+            <a:ext cx="4774512" cy="1938992"/>
+          </a:xfrm>
+          <a:prstGeom prst="rect">
+            <a:avLst/>
+          </a:prstGeom>
+        </p:spPr>
+        <p:txBody>
+          <a:bodyPr wrap="square">
+            <a:spAutoFit/>
+          </a:bodyPr>
+          <a:lstStyle/>
+          <a:p>
+            <a:r>
+              <a:rPr lang="en-US" sz="2000" b="0" i="0" dirty="0">
+                <a:solidFill>
+                  <a:schemeClr val="bg1"/>
+                </a:solidFill>
+                <a:effectLst/>
+                <a:latin typeface="-apple-system"/>
+              </a:rPr>
+              <a:t>There are a massive amounts of </a:t>
+            </a:r>
+            <a:r>
+              <a:rPr lang="en-US" sz="2000" dirty="0">
+                <a:solidFill>
+                  <a:schemeClr val="bg1"/>
+                </a:solidFill>
+                <a:latin typeface="-apple-system"/>
+              </a:rPr>
+              <a:t>options </a:t>
+            </a:r>
+            <a:r>
+              <a:rPr lang="en-US" sz="2000" b="0" i="0" dirty="0">
+                <a:solidFill>
+                  <a:schemeClr val="bg1"/>
+                </a:solidFill>
+                <a:effectLst/>
+                <a:latin typeface="-apple-system"/>
+              </a:rPr>
+              <a:t>presented on Netflix…. </a:t>
+            </a:r>
+          </a:p>
+          <a:p>
+            <a:endParaRPr lang="en-US" sz="2000" b="0" i="0" dirty="0">
+              <a:solidFill>
+                <a:schemeClr val="bg1"/>
+              </a:solidFill>
+              <a:effectLst/>
+              <a:latin typeface="-apple-system"/>
+            </a:endParaRPr>
+          </a:p>
+          <a:p>
+            <a:r>
+              <a:rPr lang="en-US" sz="2000" b="0" i="0" dirty="0">
+                <a:solidFill>
+                  <a:schemeClr val="bg1"/>
+                </a:solidFill>
+                <a:effectLst/>
+                <a:latin typeface="-apple-system"/>
+              </a:rPr>
+              <a:t>Our prediction model can help navigate towards the right rating for your TV show or movie</a:t>
+            </a:r>
+            <a:endParaRPr lang="en-US" sz="2000" dirty="0">
+              <a:solidFill>
+                <a:schemeClr val="bg1"/>
+              </a:solidFill>
+            </a:endParaRPr>
+          </a:p>
+        </p:txBody>
+      </p:sp>
+    </p:spTree>
+    <p:extLst>
+      <p:ext uri="{BB962C8B-B14F-4D97-AF65-F5344CB8AC3E}">
+        <p14:creationId xmlns:p14="http://schemas.microsoft.com/office/powerpoint/2010/main" val="3826316935"/>
+      </p:ext>
+    </p:extLst>
+  </p:cSld>
+  <p:clrMapOvr>
+    <a:masterClrMapping/>
+  </p:clrMapOvr>
+</p:sld>
+</file>
+
+<file path=ppt/slides/slide8.xml><?xml version="1.0" encoding="utf-8"?>
+<p:sld xmlns:a="http://schemas.openxmlformats.org/drawingml/2006/main" xmlns:r="http://schemas.openxmlformats.org/officeDocument/2006/relationships" xmlns:p="http://schemas.openxmlformats.org/presentationml/2006/main">
+  <p:cSld>
+    <p:spTree>
+      <p:nvGrpSpPr>
+        <p:cNvPr id="1" name=""/>
+        <p:cNvGrpSpPr/>
+        <p:nvPr/>
+      </p:nvGrpSpPr>
+      <p:grpSpPr>
+        <a:xfrm>
+          <a:off x="0" y="0"/>
+          <a:ext cx="0" cy="0"/>
+          <a:chOff x="0" y="0"/>
+          <a:chExt cx="0" cy="0"/>
+        </a:xfrm>
+      </p:grpSpPr>
+      <p:sp>
+        <p:nvSpPr>
+          <p:cNvPr id="8" name="Slide Number Placeholder 7">
+            <a:extLst>
+              <a:ext uri="{FF2B5EF4-FFF2-40B4-BE49-F238E27FC236}">
+                <a16:creationId xmlns:a16="http://schemas.microsoft.com/office/drawing/2014/main" id="{0C2FDFE4-C2A7-4516-AF4D-454B6626667C}"/>
+              </a:ext>
+            </a:extLst>
+          </p:cNvPr>
+          <p:cNvSpPr>
+            <a:spLocks noGrp="1"/>
+          </p:cNvSpPr>
+          <p:nvPr>
+            <p:ph type="sldNum" sz="quarter" idx="12"/>
+          </p:nvPr>
+        </p:nvSpPr>
+        <p:spPr/>
+        <p:txBody>
+          <a:bodyPr/>
+          <a:lstStyle/>
+          <a:p>
+            <a:fld id="{C5C29BA6-2063-4E21-8EB4-93FCDE63A549}" type="slidenum">
+              <a:rPr lang="en-US" smtClean="0"/>
+              <a:t>8</a:t>
+            </a:fld>
+            <a:endParaRPr lang="en-US"/>
+          </a:p>
+        </p:txBody>
+      </p:sp>
+      <p:sp>
+        <p:nvSpPr>
+          <p:cNvPr id="4" name="Title 11">
+            <a:extLst>
+              <a:ext uri="{FF2B5EF4-FFF2-40B4-BE49-F238E27FC236}">
+                <a16:creationId xmlns:a16="http://schemas.microsoft.com/office/drawing/2014/main" id="{8CB52C0B-E9E7-4F83-89A9-3430C23E2838}"/>
+              </a:ext>
+            </a:extLst>
+          </p:cNvPr>
+          <p:cNvSpPr txBox="1">
+            <a:spLocks/>
+          </p:cNvSpPr>
+          <p:nvPr/>
+        </p:nvSpPr>
+        <p:spPr>
+          <a:xfrm>
+            <a:off x="170705" y="365125"/>
+            <a:ext cx="11527809" cy="1138495"/>
+          </a:xfrm>
+          <a:prstGeom prst="rect">
+            <a:avLst/>
+          </a:prstGeom>
+        </p:spPr>
+        <p:txBody>
+          <a:bodyPr>
+            <a:noAutofit/>
+          </a:bodyPr>
+          <a:lstStyle>
+            <a:lvl1pPr algn="l" defTabSz="914400" rtl="0" eaLnBrk="1" latinLnBrk="0" hangingPunct="1">
+              <a:lnSpc>
+                <a:spcPct val="90000"/>
+              </a:lnSpc>
+              <a:spcBef>
+                <a:spcPct val="0"/>
+              </a:spcBef>
+              <a:buNone/>
+              <a:defRPr sz="4400" kern="1200">
+                <a:solidFill>
+                  <a:schemeClr val="tx1"/>
+                </a:solidFill>
+                <a:latin typeface="+mj-lt"/>
+                <a:ea typeface="+mj-ea"/>
+                <a:cs typeface="+mj-cs"/>
+              </a:defRPr>
+            </a:lvl1pPr>
+          </a:lstStyle>
+          <a:p>
+            <a:r>
+              <a:rPr lang="en-US" sz="3600" b="1" dirty="0">
+                <a:solidFill>
+                  <a:schemeClr val="bg1"/>
+                </a:solidFill>
+                <a:latin typeface="Lato"/>
+              </a:rPr>
+              <a:t>Netflix Title’s OMBD Genre</a:t>
+            </a:r>
+          </a:p>
+        </p:txBody>
+      </p:sp>
+      <p:pic>
+        <p:nvPicPr>
+          <p:cNvPr id="3" name="Picture 2" descr="Chart, bar chart&#10;&#10;Description automatically generated">
+            <a:extLst>
+              <a:ext uri="{FF2B5EF4-FFF2-40B4-BE49-F238E27FC236}">
+                <a16:creationId xmlns:a16="http://schemas.microsoft.com/office/drawing/2014/main" id="{2987B8E5-46F2-4C0D-B0C5-2D7E2BEAD1D0}"/>
+              </a:ext>
+            </a:extLst>
+          </p:cNvPr>
+          <p:cNvPicPr>
+            <a:picLocks noChangeAspect="1"/>
+          </p:cNvPicPr>
+          <p:nvPr/>
+        </p:nvPicPr>
+        <p:blipFill>
+          <a:blip r:embed="rId3">
+            <a:extLst>
+              <a:ext uri="{28A0092B-C50C-407E-A947-70E740481C1C}">
+                <a14:useLocalDpi xmlns:a14="http://schemas.microsoft.com/office/drawing/2010/main" val="0"/>
+              </a:ext>
+            </a:extLst>
+          </a:blip>
+          <a:stretch>
+            <a:fillRect/>
+          </a:stretch>
+        </p:blipFill>
+        <p:spPr>
+          <a:xfrm>
+            <a:off x="332630" y="1472908"/>
+            <a:ext cx="4914154" cy="4914154"/>
+          </a:xfrm>
+          <a:prstGeom prst="rect">
+            <a:avLst/>
+          </a:prstGeom>
+        </p:spPr>
+      </p:pic>
+      <p:sp>
+        <p:nvSpPr>
+          <p:cNvPr id="10" name="Rectangle 9">
+            <a:extLst>
+              <a:ext uri="{FF2B5EF4-FFF2-40B4-BE49-F238E27FC236}">
+                <a16:creationId xmlns:a16="http://schemas.microsoft.com/office/drawing/2014/main" id="{C604D9FC-1AC8-4C7F-A5E9-2CD910B9567E}"/>
+              </a:ext>
+            </a:extLst>
+          </p:cNvPr>
+          <p:cNvSpPr/>
+          <p:nvPr/>
+        </p:nvSpPr>
+        <p:spPr>
+          <a:xfrm>
+            <a:off x="5695950" y="2167235"/>
+            <a:ext cx="5257800" cy="2800767"/>
+          </a:xfrm>
+          <a:prstGeom prst="rect">
+            <a:avLst/>
+          </a:prstGeom>
+        </p:spPr>
+        <p:txBody>
+          <a:bodyPr wrap="square">
+            <a:spAutoFit/>
+          </a:bodyPr>
+          <a:lstStyle/>
+          <a:p>
+            <a:r>
+              <a:rPr lang="en-US" sz="3200" dirty="0">
+                <a:solidFill>
+                  <a:schemeClr val="bg1"/>
+                </a:solidFill>
+              </a:rPr>
+              <a:t>We found a total of </a:t>
+            </a:r>
+            <a:r>
+              <a:rPr lang="en-US" sz="3200" b="1" dirty="0">
+                <a:solidFill>
+                  <a:srgbClr val="AC322E"/>
+                </a:solidFill>
+              </a:rPr>
+              <a:t>28 genres </a:t>
+            </a:r>
+            <a:r>
+              <a:rPr lang="en-US" sz="3200" dirty="0">
+                <a:solidFill>
+                  <a:schemeClr val="bg1"/>
+                </a:solidFill>
+              </a:rPr>
+              <a:t>in this dataset to train against. </a:t>
+            </a:r>
+          </a:p>
+          <a:p>
+            <a:endParaRPr lang="en-US" sz="2800" dirty="0">
+              <a:solidFill>
+                <a:schemeClr val="bg1"/>
+              </a:solidFill>
+            </a:endParaRPr>
+          </a:p>
+          <a:p>
+            <a:r>
+              <a:rPr lang="en-US" sz="2800" dirty="0">
+                <a:solidFill>
+                  <a:schemeClr val="bg1"/>
+                </a:solidFill>
+              </a:rPr>
+              <a:t>The most common genre is Drama, which causes our predictions to be a bit unbalanced</a:t>
+            </a:r>
+          </a:p>
+        </p:txBody>
+      </p:sp>
+    </p:spTree>
+    <p:extLst>
+      <p:ext uri="{BB962C8B-B14F-4D97-AF65-F5344CB8AC3E}">
+        <p14:creationId xmlns:p14="http://schemas.microsoft.com/office/powerpoint/2010/main" val="1694610622"/>
       </p:ext>
     </p:extLst>
   </p:cSld>
